--- a/Documents/CDF.pptx
+++ b/Documents/CDF.pptx
@@ -5,7 +5,7 @@
     <p:sldMasterId id="2147483894" r:id="rId1"/>
   </p:sldMasterIdLst>
   <p:notesMasterIdLst>
-    <p:notesMasterId r:id="rId11"/>
+    <p:notesMasterId r:id="rId15"/>
   </p:notesMasterIdLst>
   <p:sldIdLst>
     <p:sldId id="256" r:id="rId2"/>
@@ -16,7 +16,11 @@
     <p:sldId id="261" r:id="rId7"/>
     <p:sldId id="262" r:id="rId8"/>
     <p:sldId id="263" r:id="rId9"/>
-    <p:sldId id="264" r:id="rId10"/>
+    <p:sldId id="265" r:id="rId10"/>
+    <p:sldId id="266" r:id="rId11"/>
+    <p:sldId id="267" r:id="rId12"/>
+    <p:sldId id="264" r:id="rId13"/>
+    <p:sldId id="268" r:id="rId14"/>
   </p:sldIdLst>
   <p:sldSz cx="12192000" cy="6858000"/>
   <p:notesSz cx="6858000" cy="9144000"/>
@@ -115,6 +119,11 @@
       </a:defRPr>
     </a:lvl9pPr>
   </p:defaultTextStyle>
+  <p:extLst>
+    <p:ext uri="{EFAFB233-063F-42B5-8137-9DF3F51BA10A}">
+      <p15:sldGuideLst xmlns:p15="http://schemas.microsoft.com/office/powerpoint/2012/main"/>
+    </p:ext>
+  </p:extLst>
 </p:presentation>
 </file>
 
@@ -295,7 +304,6 @@
               <a:rPr lang="en-US"/>
               <a:t>Fifth level</a:t>
             </a:r>
-            <a:endParaRPr lang="en-US"/>
           </a:p>
         </p:txBody>
       </p:sp>
@@ -4669,6 +4677,2900 @@
 </p:sld>
 </file>
 
+<file path=ppt/slides/slide10.xml><?xml version="1.0" encoding="utf-8"?>
+<p:sld xmlns:a="http://schemas.openxmlformats.org/drawingml/2006/main" xmlns:r="http://schemas.openxmlformats.org/officeDocument/2006/relationships" xmlns:p="http://schemas.openxmlformats.org/presentationml/2006/main">
+  <p:cSld>
+    <p:spTree>
+      <p:nvGrpSpPr>
+        <p:cNvPr id="1" name=""/>
+        <p:cNvGrpSpPr/>
+        <p:nvPr/>
+      </p:nvGrpSpPr>
+      <p:grpSpPr>
+        <a:xfrm>
+          <a:off x="0" y="0"/>
+          <a:ext cx="0" cy="0"/>
+          <a:chOff x="0" y="0"/>
+          <a:chExt cx="0" cy="0"/>
+        </a:xfrm>
+      </p:grpSpPr>
+      <p:sp>
+        <p:nvSpPr>
+          <p:cNvPr id="2" name="Title 1"/>
+          <p:cNvSpPr>
+            <a:spLocks noGrp="1"/>
+          </p:cNvSpPr>
+          <p:nvPr>
+            <p:ph type="title"/>
+          </p:nvPr>
+        </p:nvSpPr>
+        <p:spPr/>
+        <p:txBody>
+          <a:bodyPr/>
+          <a:lstStyle/>
+          <a:p>
+            <a:r>
+              <a:rPr lang="en-US" dirty="0"/>
+              <a:t>CDF Root Model</a:t>
+            </a:r>
+          </a:p>
+        </p:txBody>
+      </p:sp>
+      <p:sp>
+        <p:nvSpPr>
+          <p:cNvPr id="3" name="Content Placeholder 2"/>
+          <p:cNvSpPr>
+            <a:spLocks noGrp="1"/>
+          </p:cNvSpPr>
+          <p:nvPr>
+            <p:ph idx="1"/>
+          </p:nvPr>
+        </p:nvSpPr>
+        <p:spPr/>
+        <p:txBody>
+          <a:bodyPr/>
+          <a:lstStyle/>
+          <a:p>
+            <a:r>
+              <a:rPr lang="en-US" dirty="0"/>
+              <a:t>This is the base model that all subsequent models extend</a:t>
+            </a:r>
+          </a:p>
+          <a:p>
+            <a:r>
+              <a:rPr lang="en-US" dirty="0"/>
+              <a:t>Consists of the following data elements:</a:t>
+            </a:r>
+          </a:p>
+          <a:p>
+            <a:pPr lvl="1"/>
+            <a:r>
+              <a:rPr lang="en-US" dirty="0"/>
+              <a:t>Type</a:t>
+            </a:r>
+          </a:p>
+          <a:p>
+            <a:pPr lvl="1"/>
+            <a:r>
+              <a:rPr lang="en-US" dirty="0"/>
+              <a:t>Id</a:t>
+            </a:r>
+          </a:p>
+          <a:p>
+            <a:pPr lvl="1"/>
+            <a:r>
+              <a:rPr lang="en-US" dirty="0"/>
+              <a:t>Title</a:t>
+            </a:r>
+          </a:p>
+          <a:p>
+            <a:pPr lvl="1"/>
+            <a:r>
+              <a:rPr lang="en-US" dirty="0"/>
+              <a:t>Description</a:t>
+            </a:r>
+          </a:p>
+        </p:txBody>
+      </p:sp>
+      <p:sp>
+        <p:nvSpPr>
+          <p:cNvPr id="4" name="Date Placeholder 3"/>
+          <p:cNvSpPr>
+            <a:spLocks noGrp="1"/>
+          </p:cNvSpPr>
+          <p:nvPr>
+            <p:ph type="dt" sz="half" idx="10"/>
+          </p:nvPr>
+        </p:nvSpPr>
+        <p:spPr/>
+        <p:txBody>
+          <a:bodyPr/>
+          <a:lstStyle/>
+          <a:p>
+            <a:fld id="{42A81273-4863-4A7F-932B-AAD4CEB90B5A}" type="datetime1">
+              <a:rPr lang="en-US" smtClean="0"/>
+              <a:t>11/30/2016</a:t>
+            </a:fld>
+            <a:endParaRPr lang="en-US" dirty="0"/>
+          </a:p>
+        </p:txBody>
+      </p:sp>
+      <p:sp>
+        <p:nvSpPr>
+          <p:cNvPr id="5" name="Footer Placeholder 4"/>
+          <p:cNvSpPr>
+            <a:spLocks noGrp="1"/>
+          </p:cNvSpPr>
+          <p:nvPr>
+            <p:ph type="ftr" sz="quarter" idx="11"/>
+          </p:nvPr>
+        </p:nvSpPr>
+        <p:spPr/>
+        <p:txBody>
+          <a:bodyPr/>
+          <a:lstStyle/>
+          <a:p>
+            <a:r>
+              <a:rPr lang="en-US"/>
+              <a:t>COPYRIGHT 2016</a:t>
+            </a:r>
+            <a:endParaRPr lang="en-US" dirty="0"/>
+          </a:p>
+        </p:txBody>
+      </p:sp>
+      <p:sp>
+        <p:nvSpPr>
+          <p:cNvPr id="6" name="Slide Number Placeholder 5"/>
+          <p:cNvSpPr>
+            <a:spLocks noGrp="1"/>
+          </p:cNvSpPr>
+          <p:nvPr>
+            <p:ph type="sldNum" sz="quarter" idx="12"/>
+          </p:nvPr>
+        </p:nvSpPr>
+        <p:spPr/>
+        <p:txBody>
+          <a:bodyPr/>
+          <a:lstStyle/>
+          <a:p>
+            <a:fld id="{71766878-3199-4EAB-94E7-2D6D11070E14}" type="slidenum">
+              <a:rPr lang="en-US" smtClean="0"/>
+              <a:t>10</a:t>
+            </a:fld>
+            <a:endParaRPr lang="en-US" dirty="0"/>
+          </a:p>
+        </p:txBody>
+      </p:sp>
+    </p:spTree>
+    <p:extLst>
+      <p:ext uri="{BB962C8B-B14F-4D97-AF65-F5344CB8AC3E}">
+        <p14:creationId xmlns:p14="http://schemas.microsoft.com/office/powerpoint/2010/main" val="4180535008"/>
+      </p:ext>
+    </p:extLst>
+  </p:cSld>
+  <p:clrMapOvr>
+    <a:masterClrMapping/>
+  </p:clrMapOvr>
+  <p:transition spd="slow">
+    <p:push dir="u"/>
+  </p:transition>
+  <p:timing>
+    <p:tnLst>
+      <p:par>
+        <p:cTn id="1" dur="indefinite" restart="never" nodeType="tmRoot">
+          <p:childTnLst>
+            <p:seq concurrent="1" nextAc="seek">
+              <p:cTn id="2" dur="indefinite" nodeType="mainSeq">
+                <p:childTnLst>
+                  <p:par>
+                    <p:cTn id="3" fill="hold">
+                      <p:stCondLst>
+                        <p:cond delay="indefinite"/>
+                      </p:stCondLst>
+                      <p:childTnLst>
+                        <p:par>
+                          <p:cTn id="4" fill="hold">
+                            <p:stCondLst>
+                              <p:cond delay="0"/>
+                            </p:stCondLst>
+                            <p:childTnLst>
+                              <p:par>
+                                <p:cTn id="5" presetID="42" presetClass="entr" presetSubtype="0" fill="hold" grpId="0" nodeType="clickEffect">
+                                  <p:stCondLst>
+                                    <p:cond delay="0"/>
+                                  </p:stCondLst>
+                                  <p:childTnLst>
+                                    <p:set>
+                                      <p:cBhvr>
+                                        <p:cTn id="6" dur="1" fill="hold">
+                                          <p:stCondLst>
+                                            <p:cond delay="0"/>
+                                          </p:stCondLst>
+                                        </p:cTn>
+                                        <p:tgtEl>
+                                          <p:spTgt spid="3">
+                                            <p:txEl>
+                                              <p:pRg st="0" end="0"/>
+                                            </p:txEl>
+                                          </p:spTgt>
+                                        </p:tgtEl>
+                                        <p:attrNameLst>
+                                          <p:attrName>style.visibility</p:attrName>
+                                        </p:attrNameLst>
+                                      </p:cBhvr>
+                                      <p:to>
+                                        <p:strVal val="visible"/>
+                                      </p:to>
+                                    </p:set>
+                                    <p:animEffect transition="in" filter="fade">
+                                      <p:cBhvr>
+                                        <p:cTn id="7" dur="1000"/>
+                                        <p:tgtEl>
+                                          <p:spTgt spid="3">
+                                            <p:txEl>
+                                              <p:pRg st="0" end="0"/>
+                                            </p:txEl>
+                                          </p:spTgt>
+                                        </p:tgtEl>
+                                      </p:cBhvr>
+                                    </p:animEffect>
+                                    <p:anim calcmode="lin" valueType="num">
+                                      <p:cBhvr>
+                                        <p:cTn id="8" dur="1000" fill="hold"/>
+                                        <p:tgtEl>
+                                          <p:spTgt spid="3">
+                                            <p:txEl>
+                                              <p:pRg st="0" end="0"/>
+                                            </p:txEl>
+                                          </p:spTgt>
+                                        </p:tgtEl>
+                                        <p:attrNameLst>
+                                          <p:attrName>ppt_x</p:attrName>
+                                        </p:attrNameLst>
+                                      </p:cBhvr>
+                                      <p:tavLst>
+                                        <p:tav tm="0">
+                                          <p:val>
+                                            <p:strVal val="#ppt_x"/>
+                                          </p:val>
+                                        </p:tav>
+                                        <p:tav tm="100000">
+                                          <p:val>
+                                            <p:strVal val="#ppt_x"/>
+                                          </p:val>
+                                        </p:tav>
+                                      </p:tavLst>
+                                    </p:anim>
+                                    <p:anim calcmode="lin" valueType="num">
+                                      <p:cBhvr>
+                                        <p:cTn id="9" dur="1000" fill="hold"/>
+                                        <p:tgtEl>
+                                          <p:spTgt spid="3">
+                                            <p:txEl>
+                                              <p:pRg st="0" end="0"/>
+                                            </p:txEl>
+                                          </p:spTgt>
+                                        </p:tgtEl>
+                                        <p:attrNameLst>
+                                          <p:attrName>ppt_y</p:attrName>
+                                        </p:attrNameLst>
+                                      </p:cBhvr>
+                                      <p:tavLst>
+                                        <p:tav tm="0">
+                                          <p:val>
+                                            <p:strVal val="#ppt_y+.1"/>
+                                          </p:val>
+                                        </p:tav>
+                                        <p:tav tm="100000">
+                                          <p:val>
+                                            <p:strVal val="#ppt_y"/>
+                                          </p:val>
+                                        </p:tav>
+                                      </p:tavLst>
+                                    </p:anim>
+                                  </p:childTnLst>
+                                </p:cTn>
+                              </p:par>
+                            </p:childTnLst>
+                          </p:cTn>
+                        </p:par>
+                      </p:childTnLst>
+                    </p:cTn>
+                  </p:par>
+                  <p:par>
+                    <p:cTn id="10" fill="hold">
+                      <p:stCondLst>
+                        <p:cond delay="indefinite"/>
+                      </p:stCondLst>
+                      <p:childTnLst>
+                        <p:par>
+                          <p:cTn id="11" fill="hold">
+                            <p:stCondLst>
+                              <p:cond delay="0"/>
+                            </p:stCondLst>
+                            <p:childTnLst>
+                              <p:par>
+                                <p:cTn id="12" presetID="42" presetClass="entr" presetSubtype="0" fill="hold" grpId="0" nodeType="clickEffect">
+                                  <p:stCondLst>
+                                    <p:cond delay="0"/>
+                                  </p:stCondLst>
+                                  <p:childTnLst>
+                                    <p:set>
+                                      <p:cBhvr>
+                                        <p:cTn id="13" dur="1" fill="hold">
+                                          <p:stCondLst>
+                                            <p:cond delay="0"/>
+                                          </p:stCondLst>
+                                        </p:cTn>
+                                        <p:tgtEl>
+                                          <p:spTgt spid="3">
+                                            <p:txEl>
+                                              <p:pRg st="1" end="1"/>
+                                            </p:txEl>
+                                          </p:spTgt>
+                                        </p:tgtEl>
+                                        <p:attrNameLst>
+                                          <p:attrName>style.visibility</p:attrName>
+                                        </p:attrNameLst>
+                                      </p:cBhvr>
+                                      <p:to>
+                                        <p:strVal val="visible"/>
+                                      </p:to>
+                                    </p:set>
+                                    <p:animEffect transition="in" filter="fade">
+                                      <p:cBhvr>
+                                        <p:cTn id="14" dur="1000"/>
+                                        <p:tgtEl>
+                                          <p:spTgt spid="3">
+                                            <p:txEl>
+                                              <p:pRg st="1" end="1"/>
+                                            </p:txEl>
+                                          </p:spTgt>
+                                        </p:tgtEl>
+                                      </p:cBhvr>
+                                    </p:animEffect>
+                                    <p:anim calcmode="lin" valueType="num">
+                                      <p:cBhvr>
+                                        <p:cTn id="15" dur="1000" fill="hold"/>
+                                        <p:tgtEl>
+                                          <p:spTgt spid="3">
+                                            <p:txEl>
+                                              <p:pRg st="1" end="1"/>
+                                            </p:txEl>
+                                          </p:spTgt>
+                                        </p:tgtEl>
+                                        <p:attrNameLst>
+                                          <p:attrName>ppt_x</p:attrName>
+                                        </p:attrNameLst>
+                                      </p:cBhvr>
+                                      <p:tavLst>
+                                        <p:tav tm="0">
+                                          <p:val>
+                                            <p:strVal val="#ppt_x"/>
+                                          </p:val>
+                                        </p:tav>
+                                        <p:tav tm="100000">
+                                          <p:val>
+                                            <p:strVal val="#ppt_x"/>
+                                          </p:val>
+                                        </p:tav>
+                                      </p:tavLst>
+                                    </p:anim>
+                                    <p:anim calcmode="lin" valueType="num">
+                                      <p:cBhvr>
+                                        <p:cTn id="16" dur="1000" fill="hold"/>
+                                        <p:tgtEl>
+                                          <p:spTgt spid="3">
+                                            <p:txEl>
+                                              <p:pRg st="1" end="1"/>
+                                            </p:txEl>
+                                          </p:spTgt>
+                                        </p:tgtEl>
+                                        <p:attrNameLst>
+                                          <p:attrName>ppt_y</p:attrName>
+                                        </p:attrNameLst>
+                                      </p:cBhvr>
+                                      <p:tavLst>
+                                        <p:tav tm="0">
+                                          <p:val>
+                                            <p:strVal val="#ppt_y+.1"/>
+                                          </p:val>
+                                        </p:tav>
+                                        <p:tav tm="100000">
+                                          <p:val>
+                                            <p:strVal val="#ppt_y"/>
+                                          </p:val>
+                                        </p:tav>
+                                      </p:tavLst>
+                                    </p:anim>
+                                  </p:childTnLst>
+                                </p:cTn>
+                              </p:par>
+                              <p:par>
+                                <p:cTn id="17" presetID="42" presetClass="entr" presetSubtype="0" fill="hold" grpId="0" nodeType="withEffect">
+                                  <p:stCondLst>
+                                    <p:cond delay="0"/>
+                                  </p:stCondLst>
+                                  <p:childTnLst>
+                                    <p:set>
+                                      <p:cBhvr>
+                                        <p:cTn id="18" dur="1" fill="hold">
+                                          <p:stCondLst>
+                                            <p:cond delay="0"/>
+                                          </p:stCondLst>
+                                        </p:cTn>
+                                        <p:tgtEl>
+                                          <p:spTgt spid="3">
+                                            <p:txEl>
+                                              <p:pRg st="2" end="2"/>
+                                            </p:txEl>
+                                          </p:spTgt>
+                                        </p:tgtEl>
+                                        <p:attrNameLst>
+                                          <p:attrName>style.visibility</p:attrName>
+                                        </p:attrNameLst>
+                                      </p:cBhvr>
+                                      <p:to>
+                                        <p:strVal val="visible"/>
+                                      </p:to>
+                                    </p:set>
+                                    <p:animEffect transition="in" filter="fade">
+                                      <p:cBhvr>
+                                        <p:cTn id="19" dur="1000"/>
+                                        <p:tgtEl>
+                                          <p:spTgt spid="3">
+                                            <p:txEl>
+                                              <p:pRg st="2" end="2"/>
+                                            </p:txEl>
+                                          </p:spTgt>
+                                        </p:tgtEl>
+                                      </p:cBhvr>
+                                    </p:animEffect>
+                                    <p:anim calcmode="lin" valueType="num">
+                                      <p:cBhvr>
+                                        <p:cTn id="20" dur="1000" fill="hold"/>
+                                        <p:tgtEl>
+                                          <p:spTgt spid="3">
+                                            <p:txEl>
+                                              <p:pRg st="2" end="2"/>
+                                            </p:txEl>
+                                          </p:spTgt>
+                                        </p:tgtEl>
+                                        <p:attrNameLst>
+                                          <p:attrName>ppt_x</p:attrName>
+                                        </p:attrNameLst>
+                                      </p:cBhvr>
+                                      <p:tavLst>
+                                        <p:tav tm="0">
+                                          <p:val>
+                                            <p:strVal val="#ppt_x"/>
+                                          </p:val>
+                                        </p:tav>
+                                        <p:tav tm="100000">
+                                          <p:val>
+                                            <p:strVal val="#ppt_x"/>
+                                          </p:val>
+                                        </p:tav>
+                                      </p:tavLst>
+                                    </p:anim>
+                                    <p:anim calcmode="lin" valueType="num">
+                                      <p:cBhvr>
+                                        <p:cTn id="21" dur="1000" fill="hold"/>
+                                        <p:tgtEl>
+                                          <p:spTgt spid="3">
+                                            <p:txEl>
+                                              <p:pRg st="2" end="2"/>
+                                            </p:txEl>
+                                          </p:spTgt>
+                                        </p:tgtEl>
+                                        <p:attrNameLst>
+                                          <p:attrName>ppt_y</p:attrName>
+                                        </p:attrNameLst>
+                                      </p:cBhvr>
+                                      <p:tavLst>
+                                        <p:tav tm="0">
+                                          <p:val>
+                                            <p:strVal val="#ppt_y+.1"/>
+                                          </p:val>
+                                        </p:tav>
+                                        <p:tav tm="100000">
+                                          <p:val>
+                                            <p:strVal val="#ppt_y"/>
+                                          </p:val>
+                                        </p:tav>
+                                      </p:tavLst>
+                                    </p:anim>
+                                  </p:childTnLst>
+                                </p:cTn>
+                              </p:par>
+                              <p:par>
+                                <p:cTn id="22" presetID="42" presetClass="entr" presetSubtype="0" fill="hold" grpId="0" nodeType="withEffect">
+                                  <p:stCondLst>
+                                    <p:cond delay="0"/>
+                                  </p:stCondLst>
+                                  <p:childTnLst>
+                                    <p:set>
+                                      <p:cBhvr>
+                                        <p:cTn id="23" dur="1" fill="hold">
+                                          <p:stCondLst>
+                                            <p:cond delay="0"/>
+                                          </p:stCondLst>
+                                        </p:cTn>
+                                        <p:tgtEl>
+                                          <p:spTgt spid="3">
+                                            <p:txEl>
+                                              <p:pRg st="3" end="3"/>
+                                            </p:txEl>
+                                          </p:spTgt>
+                                        </p:tgtEl>
+                                        <p:attrNameLst>
+                                          <p:attrName>style.visibility</p:attrName>
+                                        </p:attrNameLst>
+                                      </p:cBhvr>
+                                      <p:to>
+                                        <p:strVal val="visible"/>
+                                      </p:to>
+                                    </p:set>
+                                    <p:animEffect transition="in" filter="fade">
+                                      <p:cBhvr>
+                                        <p:cTn id="24" dur="1000"/>
+                                        <p:tgtEl>
+                                          <p:spTgt spid="3">
+                                            <p:txEl>
+                                              <p:pRg st="3" end="3"/>
+                                            </p:txEl>
+                                          </p:spTgt>
+                                        </p:tgtEl>
+                                      </p:cBhvr>
+                                    </p:animEffect>
+                                    <p:anim calcmode="lin" valueType="num">
+                                      <p:cBhvr>
+                                        <p:cTn id="25" dur="1000" fill="hold"/>
+                                        <p:tgtEl>
+                                          <p:spTgt spid="3">
+                                            <p:txEl>
+                                              <p:pRg st="3" end="3"/>
+                                            </p:txEl>
+                                          </p:spTgt>
+                                        </p:tgtEl>
+                                        <p:attrNameLst>
+                                          <p:attrName>ppt_x</p:attrName>
+                                        </p:attrNameLst>
+                                      </p:cBhvr>
+                                      <p:tavLst>
+                                        <p:tav tm="0">
+                                          <p:val>
+                                            <p:strVal val="#ppt_x"/>
+                                          </p:val>
+                                        </p:tav>
+                                        <p:tav tm="100000">
+                                          <p:val>
+                                            <p:strVal val="#ppt_x"/>
+                                          </p:val>
+                                        </p:tav>
+                                      </p:tavLst>
+                                    </p:anim>
+                                    <p:anim calcmode="lin" valueType="num">
+                                      <p:cBhvr>
+                                        <p:cTn id="26" dur="1000" fill="hold"/>
+                                        <p:tgtEl>
+                                          <p:spTgt spid="3">
+                                            <p:txEl>
+                                              <p:pRg st="3" end="3"/>
+                                            </p:txEl>
+                                          </p:spTgt>
+                                        </p:tgtEl>
+                                        <p:attrNameLst>
+                                          <p:attrName>ppt_y</p:attrName>
+                                        </p:attrNameLst>
+                                      </p:cBhvr>
+                                      <p:tavLst>
+                                        <p:tav tm="0">
+                                          <p:val>
+                                            <p:strVal val="#ppt_y+.1"/>
+                                          </p:val>
+                                        </p:tav>
+                                        <p:tav tm="100000">
+                                          <p:val>
+                                            <p:strVal val="#ppt_y"/>
+                                          </p:val>
+                                        </p:tav>
+                                      </p:tavLst>
+                                    </p:anim>
+                                  </p:childTnLst>
+                                </p:cTn>
+                              </p:par>
+                              <p:par>
+                                <p:cTn id="27" presetID="42" presetClass="entr" presetSubtype="0" fill="hold" grpId="0" nodeType="withEffect">
+                                  <p:stCondLst>
+                                    <p:cond delay="0"/>
+                                  </p:stCondLst>
+                                  <p:childTnLst>
+                                    <p:set>
+                                      <p:cBhvr>
+                                        <p:cTn id="28" dur="1" fill="hold">
+                                          <p:stCondLst>
+                                            <p:cond delay="0"/>
+                                          </p:stCondLst>
+                                        </p:cTn>
+                                        <p:tgtEl>
+                                          <p:spTgt spid="3">
+                                            <p:txEl>
+                                              <p:pRg st="4" end="4"/>
+                                            </p:txEl>
+                                          </p:spTgt>
+                                        </p:tgtEl>
+                                        <p:attrNameLst>
+                                          <p:attrName>style.visibility</p:attrName>
+                                        </p:attrNameLst>
+                                      </p:cBhvr>
+                                      <p:to>
+                                        <p:strVal val="visible"/>
+                                      </p:to>
+                                    </p:set>
+                                    <p:animEffect transition="in" filter="fade">
+                                      <p:cBhvr>
+                                        <p:cTn id="29" dur="1000"/>
+                                        <p:tgtEl>
+                                          <p:spTgt spid="3">
+                                            <p:txEl>
+                                              <p:pRg st="4" end="4"/>
+                                            </p:txEl>
+                                          </p:spTgt>
+                                        </p:tgtEl>
+                                      </p:cBhvr>
+                                    </p:animEffect>
+                                    <p:anim calcmode="lin" valueType="num">
+                                      <p:cBhvr>
+                                        <p:cTn id="30" dur="1000" fill="hold"/>
+                                        <p:tgtEl>
+                                          <p:spTgt spid="3">
+                                            <p:txEl>
+                                              <p:pRg st="4" end="4"/>
+                                            </p:txEl>
+                                          </p:spTgt>
+                                        </p:tgtEl>
+                                        <p:attrNameLst>
+                                          <p:attrName>ppt_x</p:attrName>
+                                        </p:attrNameLst>
+                                      </p:cBhvr>
+                                      <p:tavLst>
+                                        <p:tav tm="0">
+                                          <p:val>
+                                            <p:strVal val="#ppt_x"/>
+                                          </p:val>
+                                        </p:tav>
+                                        <p:tav tm="100000">
+                                          <p:val>
+                                            <p:strVal val="#ppt_x"/>
+                                          </p:val>
+                                        </p:tav>
+                                      </p:tavLst>
+                                    </p:anim>
+                                    <p:anim calcmode="lin" valueType="num">
+                                      <p:cBhvr>
+                                        <p:cTn id="31" dur="1000" fill="hold"/>
+                                        <p:tgtEl>
+                                          <p:spTgt spid="3">
+                                            <p:txEl>
+                                              <p:pRg st="4" end="4"/>
+                                            </p:txEl>
+                                          </p:spTgt>
+                                        </p:tgtEl>
+                                        <p:attrNameLst>
+                                          <p:attrName>ppt_y</p:attrName>
+                                        </p:attrNameLst>
+                                      </p:cBhvr>
+                                      <p:tavLst>
+                                        <p:tav tm="0">
+                                          <p:val>
+                                            <p:strVal val="#ppt_y+.1"/>
+                                          </p:val>
+                                        </p:tav>
+                                        <p:tav tm="100000">
+                                          <p:val>
+                                            <p:strVal val="#ppt_y"/>
+                                          </p:val>
+                                        </p:tav>
+                                      </p:tavLst>
+                                    </p:anim>
+                                  </p:childTnLst>
+                                </p:cTn>
+                              </p:par>
+                              <p:par>
+                                <p:cTn id="32" presetID="42" presetClass="entr" presetSubtype="0" fill="hold" grpId="0" nodeType="withEffect">
+                                  <p:stCondLst>
+                                    <p:cond delay="0"/>
+                                  </p:stCondLst>
+                                  <p:childTnLst>
+                                    <p:set>
+                                      <p:cBhvr>
+                                        <p:cTn id="33" dur="1" fill="hold">
+                                          <p:stCondLst>
+                                            <p:cond delay="0"/>
+                                          </p:stCondLst>
+                                        </p:cTn>
+                                        <p:tgtEl>
+                                          <p:spTgt spid="3">
+                                            <p:txEl>
+                                              <p:pRg st="5" end="5"/>
+                                            </p:txEl>
+                                          </p:spTgt>
+                                        </p:tgtEl>
+                                        <p:attrNameLst>
+                                          <p:attrName>style.visibility</p:attrName>
+                                        </p:attrNameLst>
+                                      </p:cBhvr>
+                                      <p:to>
+                                        <p:strVal val="visible"/>
+                                      </p:to>
+                                    </p:set>
+                                    <p:animEffect transition="in" filter="fade">
+                                      <p:cBhvr>
+                                        <p:cTn id="34" dur="1000"/>
+                                        <p:tgtEl>
+                                          <p:spTgt spid="3">
+                                            <p:txEl>
+                                              <p:pRg st="5" end="5"/>
+                                            </p:txEl>
+                                          </p:spTgt>
+                                        </p:tgtEl>
+                                      </p:cBhvr>
+                                    </p:animEffect>
+                                    <p:anim calcmode="lin" valueType="num">
+                                      <p:cBhvr>
+                                        <p:cTn id="35" dur="1000" fill="hold"/>
+                                        <p:tgtEl>
+                                          <p:spTgt spid="3">
+                                            <p:txEl>
+                                              <p:pRg st="5" end="5"/>
+                                            </p:txEl>
+                                          </p:spTgt>
+                                        </p:tgtEl>
+                                        <p:attrNameLst>
+                                          <p:attrName>ppt_x</p:attrName>
+                                        </p:attrNameLst>
+                                      </p:cBhvr>
+                                      <p:tavLst>
+                                        <p:tav tm="0">
+                                          <p:val>
+                                            <p:strVal val="#ppt_x"/>
+                                          </p:val>
+                                        </p:tav>
+                                        <p:tav tm="100000">
+                                          <p:val>
+                                            <p:strVal val="#ppt_x"/>
+                                          </p:val>
+                                        </p:tav>
+                                      </p:tavLst>
+                                    </p:anim>
+                                    <p:anim calcmode="lin" valueType="num">
+                                      <p:cBhvr>
+                                        <p:cTn id="36" dur="1000" fill="hold"/>
+                                        <p:tgtEl>
+                                          <p:spTgt spid="3">
+                                            <p:txEl>
+                                              <p:pRg st="5" end="5"/>
+                                            </p:txEl>
+                                          </p:spTgt>
+                                        </p:tgtEl>
+                                        <p:attrNameLst>
+                                          <p:attrName>ppt_y</p:attrName>
+                                        </p:attrNameLst>
+                                      </p:cBhvr>
+                                      <p:tavLst>
+                                        <p:tav tm="0">
+                                          <p:val>
+                                            <p:strVal val="#ppt_y+.1"/>
+                                          </p:val>
+                                        </p:tav>
+                                        <p:tav tm="100000">
+                                          <p:val>
+                                            <p:strVal val="#ppt_y"/>
+                                          </p:val>
+                                        </p:tav>
+                                      </p:tavLst>
+                                    </p:anim>
+                                  </p:childTnLst>
+                                </p:cTn>
+                              </p:par>
+                            </p:childTnLst>
+                          </p:cTn>
+                        </p:par>
+                      </p:childTnLst>
+                    </p:cTn>
+                  </p:par>
+                </p:childTnLst>
+              </p:cTn>
+              <p:prevCondLst>
+                <p:cond evt="onPrev" delay="0">
+                  <p:tgtEl>
+                    <p:sldTgt/>
+                  </p:tgtEl>
+                </p:cond>
+              </p:prevCondLst>
+              <p:nextCondLst>
+                <p:cond evt="onNext" delay="0">
+                  <p:tgtEl>
+                    <p:sldTgt/>
+                  </p:tgtEl>
+                </p:cond>
+              </p:nextCondLst>
+            </p:seq>
+          </p:childTnLst>
+        </p:cTn>
+      </p:par>
+    </p:tnLst>
+    <p:bldLst>
+      <p:bldP spid="3" grpId="0" build="p"/>
+    </p:bldLst>
+  </p:timing>
+</p:sld>
+</file>
+
+<file path=ppt/slides/slide11.xml><?xml version="1.0" encoding="utf-8"?>
+<p:sld xmlns:a="http://schemas.openxmlformats.org/drawingml/2006/main" xmlns:r="http://schemas.openxmlformats.org/officeDocument/2006/relationships" xmlns:p="http://schemas.openxmlformats.org/presentationml/2006/main">
+  <p:cSld>
+    <p:spTree>
+      <p:nvGrpSpPr>
+        <p:cNvPr id="1" name=""/>
+        <p:cNvGrpSpPr/>
+        <p:nvPr/>
+      </p:nvGrpSpPr>
+      <p:grpSpPr>
+        <a:xfrm>
+          <a:off x="0" y="0"/>
+          <a:ext cx="0" cy="0"/>
+          <a:chOff x="0" y="0"/>
+          <a:chExt cx="0" cy="0"/>
+        </a:xfrm>
+      </p:grpSpPr>
+      <p:sp>
+        <p:nvSpPr>
+          <p:cNvPr id="2" name="Title 1"/>
+          <p:cNvSpPr>
+            <a:spLocks noGrp="1"/>
+          </p:cNvSpPr>
+          <p:nvPr>
+            <p:ph type="title"/>
+          </p:nvPr>
+        </p:nvSpPr>
+        <p:spPr/>
+        <p:txBody>
+          <a:bodyPr/>
+          <a:lstStyle/>
+          <a:p>
+            <a:r>
+              <a:rPr lang="en-US" dirty="0"/>
+              <a:t>CDF Media Model</a:t>
+            </a:r>
+          </a:p>
+        </p:txBody>
+      </p:sp>
+      <p:sp>
+        <p:nvSpPr>
+          <p:cNvPr id="3" name="Content Placeholder 2"/>
+          <p:cNvSpPr>
+            <a:spLocks noGrp="1"/>
+          </p:cNvSpPr>
+          <p:nvPr>
+            <p:ph idx="1"/>
+          </p:nvPr>
+        </p:nvSpPr>
+        <p:spPr/>
+        <p:txBody>
+          <a:bodyPr/>
+          <a:lstStyle/>
+          <a:p>
+            <a:r>
+              <a:rPr lang="en-US" dirty="0"/>
+              <a:t>This model extends root model</a:t>
+            </a:r>
+          </a:p>
+          <a:p>
+            <a:r>
+              <a:rPr lang="en-US" dirty="0"/>
+              <a:t>Is used to handle different types of media (images or YouTube videos)</a:t>
+            </a:r>
+          </a:p>
+          <a:p>
+            <a:r>
+              <a:rPr lang="en-US" dirty="0"/>
+              <a:t>Consists of the following data elements (in addition to the ones in root model):</a:t>
+            </a:r>
+          </a:p>
+          <a:p>
+            <a:pPr lvl="1"/>
+            <a:r>
+              <a:rPr lang="en-US" dirty="0"/>
+              <a:t>Image URL</a:t>
+            </a:r>
+          </a:p>
+          <a:p>
+            <a:pPr lvl="1"/>
+            <a:r>
+              <a:rPr lang="en-US" dirty="0" err="1"/>
+              <a:t>YouTubeId</a:t>
+            </a:r>
+            <a:endParaRPr lang="en-US" dirty="0"/>
+          </a:p>
+          <a:p>
+            <a:r>
+              <a:rPr lang="en-US" dirty="0"/>
+              <a:t>If </a:t>
+            </a:r>
+            <a:r>
+              <a:rPr lang="en-US" dirty="0" err="1"/>
+              <a:t>YouTubeId</a:t>
+            </a:r>
+            <a:r>
+              <a:rPr lang="en-US" dirty="0"/>
+              <a:t> is supplied, then CDF Media Web Component will load the video via </a:t>
+            </a:r>
+            <a:r>
+              <a:rPr lang="en-US" dirty="0" err="1"/>
+              <a:t>JWPlayer</a:t>
+            </a:r>
+            <a:endParaRPr lang="en-US" dirty="0"/>
+          </a:p>
+          <a:p>
+            <a:r>
+              <a:rPr lang="en-US" dirty="0"/>
+              <a:t>If Image URL is supplied with </a:t>
+            </a:r>
+            <a:r>
+              <a:rPr lang="en-US" dirty="0" err="1"/>
+              <a:t>YouTubeId</a:t>
+            </a:r>
+            <a:r>
+              <a:rPr lang="en-US" dirty="0"/>
+              <a:t>, the image will serve as poster for video</a:t>
+            </a:r>
+          </a:p>
+          <a:p>
+            <a:r>
+              <a:rPr lang="en-US" dirty="0"/>
+              <a:t>If Image URL is supplied with </a:t>
+            </a:r>
+            <a:r>
+              <a:rPr lang="en-US" b="1" u="sng" dirty="0"/>
+              <a:t>NO</a:t>
+            </a:r>
+            <a:r>
+              <a:rPr lang="en-US" dirty="0"/>
+              <a:t> </a:t>
+            </a:r>
+            <a:r>
+              <a:rPr lang="en-US" dirty="0" err="1"/>
+              <a:t>YouTubeId</a:t>
+            </a:r>
+            <a:r>
+              <a:rPr lang="en-US" dirty="0"/>
+              <a:t>, then image is displayed</a:t>
+            </a:r>
+          </a:p>
+          <a:p>
+            <a:endParaRPr lang="en-US" dirty="0"/>
+          </a:p>
+          <a:p>
+            <a:endParaRPr lang="en-US" dirty="0"/>
+          </a:p>
+        </p:txBody>
+      </p:sp>
+      <p:sp>
+        <p:nvSpPr>
+          <p:cNvPr id="4" name="Date Placeholder 3"/>
+          <p:cNvSpPr>
+            <a:spLocks noGrp="1"/>
+          </p:cNvSpPr>
+          <p:nvPr>
+            <p:ph type="dt" sz="half" idx="10"/>
+          </p:nvPr>
+        </p:nvSpPr>
+        <p:spPr/>
+        <p:txBody>
+          <a:bodyPr/>
+          <a:lstStyle/>
+          <a:p>
+            <a:fld id="{42A81273-4863-4A7F-932B-AAD4CEB90B5A}" type="datetime1">
+              <a:rPr lang="en-US" smtClean="0"/>
+              <a:t>11/30/2016</a:t>
+            </a:fld>
+            <a:endParaRPr lang="en-US" dirty="0"/>
+          </a:p>
+        </p:txBody>
+      </p:sp>
+      <p:sp>
+        <p:nvSpPr>
+          <p:cNvPr id="5" name="Footer Placeholder 4"/>
+          <p:cNvSpPr>
+            <a:spLocks noGrp="1"/>
+          </p:cNvSpPr>
+          <p:nvPr>
+            <p:ph type="ftr" sz="quarter" idx="11"/>
+          </p:nvPr>
+        </p:nvSpPr>
+        <p:spPr/>
+        <p:txBody>
+          <a:bodyPr/>
+          <a:lstStyle/>
+          <a:p>
+            <a:r>
+              <a:rPr lang="en-US"/>
+              <a:t>COPYRIGHT 2016</a:t>
+            </a:r>
+            <a:endParaRPr lang="en-US" dirty="0"/>
+          </a:p>
+        </p:txBody>
+      </p:sp>
+      <p:sp>
+        <p:nvSpPr>
+          <p:cNvPr id="6" name="Slide Number Placeholder 5"/>
+          <p:cNvSpPr>
+            <a:spLocks noGrp="1"/>
+          </p:cNvSpPr>
+          <p:nvPr>
+            <p:ph type="sldNum" sz="quarter" idx="12"/>
+          </p:nvPr>
+        </p:nvSpPr>
+        <p:spPr/>
+        <p:txBody>
+          <a:bodyPr/>
+          <a:lstStyle/>
+          <a:p>
+            <a:fld id="{71766878-3199-4EAB-94E7-2D6D11070E14}" type="slidenum">
+              <a:rPr lang="en-US" smtClean="0"/>
+              <a:t>11</a:t>
+            </a:fld>
+            <a:endParaRPr lang="en-US" dirty="0"/>
+          </a:p>
+        </p:txBody>
+      </p:sp>
+    </p:spTree>
+    <p:extLst>
+      <p:ext uri="{BB962C8B-B14F-4D97-AF65-F5344CB8AC3E}">
+        <p14:creationId xmlns:p14="http://schemas.microsoft.com/office/powerpoint/2010/main" val="2302710450"/>
+      </p:ext>
+    </p:extLst>
+  </p:cSld>
+  <p:clrMapOvr>
+    <a:masterClrMapping/>
+  </p:clrMapOvr>
+  <p:transition spd="slow">
+    <p:push dir="u"/>
+  </p:transition>
+  <p:timing>
+    <p:tnLst>
+      <p:par>
+        <p:cTn id="1" dur="indefinite" restart="never" nodeType="tmRoot">
+          <p:childTnLst>
+            <p:seq concurrent="1" nextAc="seek">
+              <p:cTn id="2" dur="indefinite" nodeType="mainSeq">
+                <p:childTnLst>
+                  <p:par>
+                    <p:cTn id="3" fill="hold">
+                      <p:stCondLst>
+                        <p:cond delay="indefinite"/>
+                      </p:stCondLst>
+                      <p:childTnLst>
+                        <p:par>
+                          <p:cTn id="4" fill="hold">
+                            <p:stCondLst>
+                              <p:cond delay="0"/>
+                            </p:stCondLst>
+                            <p:childTnLst>
+                              <p:par>
+                                <p:cTn id="5" presetID="42" presetClass="entr" presetSubtype="0" fill="hold" grpId="0" nodeType="clickEffect">
+                                  <p:stCondLst>
+                                    <p:cond delay="0"/>
+                                  </p:stCondLst>
+                                  <p:childTnLst>
+                                    <p:set>
+                                      <p:cBhvr>
+                                        <p:cTn id="6" dur="1" fill="hold">
+                                          <p:stCondLst>
+                                            <p:cond delay="0"/>
+                                          </p:stCondLst>
+                                        </p:cTn>
+                                        <p:tgtEl>
+                                          <p:spTgt spid="3">
+                                            <p:txEl>
+                                              <p:pRg st="0" end="0"/>
+                                            </p:txEl>
+                                          </p:spTgt>
+                                        </p:tgtEl>
+                                        <p:attrNameLst>
+                                          <p:attrName>style.visibility</p:attrName>
+                                        </p:attrNameLst>
+                                      </p:cBhvr>
+                                      <p:to>
+                                        <p:strVal val="visible"/>
+                                      </p:to>
+                                    </p:set>
+                                    <p:animEffect transition="in" filter="fade">
+                                      <p:cBhvr>
+                                        <p:cTn id="7" dur="1000"/>
+                                        <p:tgtEl>
+                                          <p:spTgt spid="3">
+                                            <p:txEl>
+                                              <p:pRg st="0" end="0"/>
+                                            </p:txEl>
+                                          </p:spTgt>
+                                        </p:tgtEl>
+                                      </p:cBhvr>
+                                    </p:animEffect>
+                                    <p:anim calcmode="lin" valueType="num">
+                                      <p:cBhvr>
+                                        <p:cTn id="8" dur="1000" fill="hold"/>
+                                        <p:tgtEl>
+                                          <p:spTgt spid="3">
+                                            <p:txEl>
+                                              <p:pRg st="0" end="0"/>
+                                            </p:txEl>
+                                          </p:spTgt>
+                                        </p:tgtEl>
+                                        <p:attrNameLst>
+                                          <p:attrName>ppt_x</p:attrName>
+                                        </p:attrNameLst>
+                                      </p:cBhvr>
+                                      <p:tavLst>
+                                        <p:tav tm="0">
+                                          <p:val>
+                                            <p:strVal val="#ppt_x"/>
+                                          </p:val>
+                                        </p:tav>
+                                        <p:tav tm="100000">
+                                          <p:val>
+                                            <p:strVal val="#ppt_x"/>
+                                          </p:val>
+                                        </p:tav>
+                                      </p:tavLst>
+                                    </p:anim>
+                                    <p:anim calcmode="lin" valueType="num">
+                                      <p:cBhvr>
+                                        <p:cTn id="9" dur="1000" fill="hold"/>
+                                        <p:tgtEl>
+                                          <p:spTgt spid="3">
+                                            <p:txEl>
+                                              <p:pRg st="0" end="0"/>
+                                            </p:txEl>
+                                          </p:spTgt>
+                                        </p:tgtEl>
+                                        <p:attrNameLst>
+                                          <p:attrName>ppt_y</p:attrName>
+                                        </p:attrNameLst>
+                                      </p:cBhvr>
+                                      <p:tavLst>
+                                        <p:tav tm="0">
+                                          <p:val>
+                                            <p:strVal val="#ppt_y+.1"/>
+                                          </p:val>
+                                        </p:tav>
+                                        <p:tav tm="100000">
+                                          <p:val>
+                                            <p:strVal val="#ppt_y"/>
+                                          </p:val>
+                                        </p:tav>
+                                      </p:tavLst>
+                                    </p:anim>
+                                  </p:childTnLst>
+                                </p:cTn>
+                              </p:par>
+                            </p:childTnLst>
+                          </p:cTn>
+                        </p:par>
+                      </p:childTnLst>
+                    </p:cTn>
+                  </p:par>
+                  <p:par>
+                    <p:cTn id="10" fill="hold">
+                      <p:stCondLst>
+                        <p:cond delay="indefinite"/>
+                      </p:stCondLst>
+                      <p:childTnLst>
+                        <p:par>
+                          <p:cTn id="11" fill="hold">
+                            <p:stCondLst>
+                              <p:cond delay="0"/>
+                            </p:stCondLst>
+                            <p:childTnLst>
+                              <p:par>
+                                <p:cTn id="12" presetID="42" presetClass="entr" presetSubtype="0" fill="hold" grpId="0" nodeType="clickEffect">
+                                  <p:stCondLst>
+                                    <p:cond delay="0"/>
+                                  </p:stCondLst>
+                                  <p:childTnLst>
+                                    <p:set>
+                                      <p:cBhvr>
+                                        <p:cTn id="13" dur="1" fill="hold">
+                                          <p:stCondLst>
+                                            <p:cond delay="0"/>
+                                          </p:stCondLst>
+                                        </p:cTn>
+                                        <p:tgtEl>
+                                          <p:spTgt spid="3">
+                                            <p:txEl>
+                                              <p:pRg st="1" end="1"/>
+                                            </p:txEl>
+                                          </p:spTgt>
+                                        </p:tgtEl>
+                                        <p:attrNameLst>
+                                          <p:attrName>style.visibility</p:attrName>
+                                        </p:attrNameLst>
+                                      </p:cBhvr>
+                                      <p:to>
+                                        <p:strVal val="visible"/>
+                                      </p:to>
+                                    </p:set>
+                                    <p:animEffect transition="in" filter="fade">
+                                      <p:cBhvr>
+                                        <p:cTn id="14" dur="1000"/>
+                                        <p:tgtEl>
+                                          <p:spTgt spid="3">
+                                            <p:txEl>
+                                              <p:pRg st="1" end="1"/>
+                                            </p:txEl>
+                                          </p:spTgt>
+                                        </p:tgtEl>
+                                      </p:cBhvr>
+                                    </p:animEffect>
+                                    <p:anim calcmode="lin" valueType="num">
+                                      <p:cBhvr>
+                                        <p:cTn id="15" dur="1000" fill="hold"/>
+                                        <p:tgtEl>
+                                          <p:spTgt spid="3">
+                                            <p:txEl>
+                                              <p:pRg st="1" end="1"/>
+                                            </p:txEl>
+                                          </p:spTgt>
+                                        </p:tgtEl>
+                                        <p:attrNameLst>
+                                          <p:attrName>ppt_x</p:attrName>
+                                        </p:attrNameLst>
+                                      </p:cBhvr>
+                                      <p:tavLst>
+                                        <p:tav tm="0">
+                                          <p:val>
+                                            <p:strVal val="#ppt_x"/>
+                                          </p:val>
+                                        </p:tav>
+                                        <p:tav tm="100000">
+                                          <p:val>
+                                            <p:strVal val="#ppt_x"/>
+                                          </p:val>
+                                        </p:tav>
+                                      </p:tavLst>
+                                    </p:anim>
+                                    <p:anim calcmode="lin" valueType="num">
+                                      <p:cBhvr>
+                                        <p:cTn id="16" dur="1000" fill="hold"/>
+                                        <p:tgtEl>
+                                          <p:spTgt spid="3">
+                                            <p:txEl>
+                                              <p:pRg st="1" end="1"/>
+                                            </p:txEl>
+                                          </p:spTgt>
+                                        </p:tgtEl>
+                                        <p:attrNameLst>
+                                          <p:attrName>ppt_y</p:attrName>
+                                        </p:attrNameLst>
+                                      </p:cBhvr>
+                                      <p:tavLst>
+                                        <p:tav tm="0">
+                                          <p:val>
+                                            <p:strVal val="#ppt_y+.1"/>
+                                          </p:val>
+                                        </p:tav>
+                                        <p:tav tm="100000">
+                                          <p:val>
+                                            <p:strVal val="#ppt_y"/>
+                                          </p:val>
+                                        </p:tav>
+                                      </p:tavLst>
+                                    </p:anim>
+                                  </p:childTnLst>
+                                </p:cTn>
+                              </p:par>
+                            </p:childTnLst>
+                          </p:cTn>
+                        </p:par>
+                      </p:childTnLst>
+                    </p:cTn>
+                  </p:par>
+                  <p:par>
+                    <p:cTn id="17" fill="hold">
+                      <p:stCondLst>
+                        <p:cond delay="indefinite"/>
+                      </p:stCondLst>
+                      <p:childTnLst>
+                        <p:par>
+                          <p:cTn id="18" fill="hold">
+                            <p:stCondLst>
+                              <p:cond delay="0"/>
+                            </p:stCondLst>
+                            <p:childTnLst>
+                              <p:par>
+                                <p:cTn id="19" presetID="42" presetClass="entr" presetSubtype="0" fill="hold" grpId="0" nodeType="clickEffect">
+                                  <p:stCondLst>
+                                    <p:cond delay="0"/>
+                                  </p:stCondLst>
+                                  <p:childTnLst>
+                                    <p:set>
+                                      <p:cBhvr>
+                                        <p:cTn id="20" dur="1" fill="hold">
+                                          <p:stCondLst>
+                                            <p:cond delay="0"/>
+                                          </p:stCondLst>
+                                        </p:cTn>
+                                        <p:tgtEl>
+                                          <p:spTgt spid="3">
+                                            <p:txEl>
+                                              <p:pRg st="2" end="2"/>
+                                            </p:txEl>
+                                          </p:spTgt>
+                                        </p:tgtEl>
+                                        <p:attrNameLst>
+                                          <p:attrName>style.visibility</p:attrName>
+                                        </p:attrNameLst>
+                                      </p:cBhvr>
+                                      <p:to>
+                                        <p:strVal val="visible"/>
+                                      </p:to>
+                                    </p:set>
+                                    <p:animEffect transition="in" filter="fade">
+                                      <p:cBhvr>
+                                        <p:cTn id="21" dur="1000"/>
+                                        <p:tgtEl>
+                                          <p:spTgt spid="3">
+                                            <p:txEl>
+                                              <p:pRg st="2" end="2"/>
+                                            </p:txEl>
+                                          </p:spTgt>
+                                        </p:tgtEl>
+                                      </p:cBhvr>
+                                    </p:animEffect>
+                                    <p:anim calcmode="lin" valueType="num">
+                                      <p:cBhvr>
+                                        <p:cTn id="22" dur="1000" fill="hold"/>
+                                        <p:tgtEl>
+                                          <p:spTgt spid="3">
+                                            <p:txEl>
+                                              <p:pRg st="2" end="2"/>
+                                            </p:txEl>
+                                          </p:spTgt>
+                                        </p:tgtEl>
+                                        <p:attrNameLst>
+                                          <p:attrName>ppt_x</p:attrName>
+                                        </p:attrNameLst>
+                                      </p:cBhvr>
+                                      <p:tavLst>
+                                        <p:tav tm="0">
+                                          <p:val>
+                                            <p:strVal val="#ppt_x"/>
+                                          </p:val>
+                                        </p:tav>
+                                        <p:tav tm="100000">
+                                          <p:val>
+                                            <p:strVal val="#ppt_x"/>
+                                          </p:val>
+                                        </p:tav>
+                                      </p:tavLst>
+                                    </p:anim>
+                                    <p:anim calcmode="lin" valueType="num">
+                                      <p:cBhvr>
+                                        <p:cTn id="23" dur="1000" fill="hold"/>
+                                        <p:tgtEl>
+                                          <p:spTgt spid="3">
+                                            <p:txEl>
+                                              <p:pRg st="2" end="2"/>
+                                            </p:txEl>
+                                          </p:spTgt>
+                                        </p:tgtEl>
+                                        <p:attrNameLst>
+                                          <p:attrName>ppt_y</p:attrName>
+                                        </p:attrNameLst>
+                                      </p:cBhvr>
+                                      <p:tavLst>
+                                        <p:tav tm="0">
+                                          <p:val>
+                                            <p:strVal val="#ppt_y+.1"/>
+                                          </p:val>
+                                        </p:tav>
+                                        <p:tav tm="100000">
+                                          <p:val>
+                                            <p:strVal val="#ppt_y"/>
+                                          </p:val>
+                                        </p:tav>
+                                      </p:tavLst>
+                                    </p:anim>
+                                  </p:childTnLst>
+                                </p:cTn>
+                              </p:par>
+                              <p:par>
+                                <p:cTn id="24" presetID="42" presetClass="entr" presetSubtype="0" fill="hold" grpId="0" nodeType="withEffect">
+                                  <p:stCondLst>
+                                    <p:cond delay="0"/>
+                                  </p:stCondLst>
+                                  <p:childTnLst>
+                                    <p:set>
+                                      <p:cBhvr>
+                                        <p:cTn id="25" dur="1" fill="hold">
+                                          <p:stCondLst>
+                                            <p:cond delay="0"/>
+                                          </p:stCondLst>
+                                        </p:cTn>
+                                        <p:tgtEl>
+                                          <p:spTgt spid="3">
+                                            <p:txEl>
+                                              <p:pRg st="3" end="3"/>
+                                            </p:txEl>
+                                          </p:spTgt>
+                                        </p:tgtEl>
+                                        <p:attrNameLst>
+                                          <p:attrName>style.visibility</p:attrName>
+                                        </p:attrNameLst>
+                                      </p:cBhvr>
+                                      <p:to>
+                                        <p:strVal val="visible"/>
+                                      </p:to>
+                                    </p:set>
+                                    <p:animEffect transition="in" filter="fade">
+                                      <p:cBhvr>
+                                        <p:cTn id="26" dur="1000"/>
+                                        <p:tgtEl>
+                                          <p:spTgt spid="3">
+                                            <p:txEl>
+                                              <p:pRg st="3" end="3"/>
+                                            </p:txEl>
+                                          </p:spTgt>
+                                        </p:tgtEl>
+                                      </p:cBhvr>
+                                    </p:animEffect>
+                                    <p:anim calcmode="lin" valueType="num">
+                                      <p:cBhvr>
+                                        <p:cTn id="27" dur="1000" fill="hold"/>
+                                        <p:tgtEl>
+                                          <p:spTgt spid="3">
+                                            <p:txEl>
+                                              <p:pRg st="3" end="3"/>
+                                            </p:txEl>
+                                          </p:spTgt>
+                                        </p:tgtEl>
+                                        <p:attrNameLst>
+                                          <p:attrName>ppt_x</p:attrName>
+                                        </p:attrNameLst>
+                                      </p:cBhvr>
+                                      <p:tavLst>
+                                        <p:tav tm="0">
+                                          <p:val>
+                                            <p:strVal val="#ppt_x"/>
+                                          </p:val>
+                                        </p:tav>
+                                        <p:tav tm="100000">
+                                          <p:val>
+                                            <p:strVal val="#ppt_x"/>
+                                          </p:val>
+                                        </p:tav>
+                                      </p:tavLst>
+                                    </p:anim>
+                                    <p:anim calcmode="lin" valueType="num">
+                                      <p:cBhvr>
+                                        <p:cTn id="28" dur="1000" fill="hold"/>
+                                        <p:tgtEl>
+                                          <p:spTgt spid="3">
+                                            <p:txEl>
+                                              <p:pRg st="3" end="3"/>
+                                            </p:txEl>
+                                          </p:spTgt>
+                                        </p:tgtEl>
+                                        <p:attrNameLst>
+                                          <p:attrName>ppt_y</p:attrName>
+                                        </p:attrNameLst>
+                                      </p:cBhvr>
+                                      <p:tavLst>
+                                        <p:tav tm="0">
+                                          <p:val>
+                                            <p:strVal val="#ppt_y+.1"/>
+                                          </p:val>
+                                        </p:tav>
+                                        <p:tav tm="100000">
+                                          <p:val>
+                                            <p:strVal val="#ppt_y"/>
+                                          </p:val>
+                                        </p:tav>
+                                      </p:tavLst>
+                                    </p:anim>
+                                  </p:childTnLst>
+                                </p:cTn>
+                              </p:par>
+                              <p:par>
+                                <p:cTn id="29" presetID="42" presetClass="entr" presetSubtype="0" fill="hold" grpId="0" nodeType="withEffect">
+                                  <p:stCondLst>
+                                    <p:cond delay="0"/>
+                                  </p:stCondLst>
+                                  <p:childTnLst>
+                                    <p:set>
+                                      <p:cBhvr>
+                                        <p:cTn id="30" dur="1" fill="hold">
+                                          <p:stCondLst>
+                                            <p:cond delay="0"/>
+                                          </p:stCondLst>
+                                        </p:cTn>
+                                        <p:tgtEl>
+                                          <p:spTgt spid="3">
+                                            <p:txEl>
+                                              <p:pRg st="4" end="4"/>
+                                            </p:txEl>
+                                          </p:spTgt>
+                                        </p:tgtEl>
+                                        <p:attrNameLst>
+                                          <p:attrName>style.visibility</p:attrName>
+                                        </p:attrNameLst>
+                                      </p:cBhvr>
+                                      <p:to>
+                                        <p:strVal val="visible"/>
+                                      </p:to>
+                                    </p:set>
+                                    <p:animEffect transition="in" filter="fade">
+                                      <p:cBhvr>
+                                        <p:cTn id="31" dur="1000"/>
+                                        <p:tgtEl>
+                                          <p:spTgt spid="3">
+                                            <p:txEl>
+                                              <p:pRg st="4" end="4"/>
+                                            </p:txEl>
+                                          </p:spTgt>
+                                        </p:tgtEl>
+                                      </p:cBhvr>
+                                    </p:animEffect>
+                                    <p:anim calcmode="lin" valueType="num">
+                                      <p:cBhvr>
+                                        <p:cTn id="32" dur="1000" fill="hold"/>
+                                        <p:tgtEl>
+                                          <p:spTgt spid="3">
+                                            <p:txEl>
+                                              <p:pRg st="4" end="4"/>
+                                            </p:txEl>
+                                          </p:spTgt>
+                                        </p:tgtEl>
+                                        <p:attrNameLst>
+                                          <p:attrName>ppt_x</p:attrName>
+                                        </p:attrNameLst>
+                                      </p:cBhvr>
+                                      <p:tavLst>
+                                        <p:tav tm="0">
+                                          <p:val>
+                                            <p:strVal val="#ppt_x"/>
+                                          </p:val>
+                                        </p:tav>
+                                        <p:tav tm="100000">
+                                          <p:val>
+                                            <p:strVal val="#ppt_x"/>
+                                          </p:val>
+                                        </p:tav>
+                                      </p:tavLst>
+                                    </p:anim>
+                                    <p:anim calcmode="lin" valueType="num">
+                                      <p:cBhvr>
+                                        <p:cTn id="33" dur="1000" fill="hold"/>
+                                        <p:tgtEl>
+                                          <p:spTgt spid="3">
+                                            <p:txEl>
+                                              <p:pRg st="4" end="4"/>
+                                            </p:txEl>
+                                          </p:spTgt>
+                                        </p:tgtEl>
+                                        <p:attrNameLst>
+                                          <p:attrName>ppt_y</p:attrName>
+                                        </p:attrNameLst>
+                                      </p:cBhvr>
+                                      <p:tavLst>
+                                        <p:tav tm="0">
+                                          <p:val>
+                                            <p:strVal val="#ppt_y+.1"/>
+                                          </p:val>
+                                        </p:tav>
+                                        <p:tav tm="100000">
+                                          <p:val>
+                                            <p:strVal val="#ppt_y"/>
+                                          </p:val>
+                                        </p:tav>
+                                      </p:tavLst>
+                                    </p:anim>
+                                  </p:childTnLst>
+                                </p:cTn>
+                              </p:par>
+                            </p:childTnLst>
+                          </p:cTn>
+                        </p:par>
+                      </p:childTnLst>
+                    </p:cTn>
+                  </p:par>
+                  <p:par>
+                    <p:cTn id="34" fill="hold">
+                      <p:stCondLst>
+                        <p:cond delay="indefinite"/>
+                      </p:stCondLst>
+                      <p:childTnLst>
+                        <p:par>
+                          <p:cTn id="35" fill="hold">
+                            <p:stCondLst>
+                              <p:cond delay="0"/>
+                            </p:stCondLst>
+                            <p:childTnLst>
+                              <p:par>
+                                <p:cTn id="36" presetID="42" presetClass="entr" presetSubtype="0" fill="hold" grpId="0" nodeType="clickEffect">
+                                  <p:stCondLst>
+                                    <p:cond delay="0"/>
+                                  </p:stCondLst>
+                                  <p:childTnLst>
+                                    <p:set>
+                                      <p:cBhvr>
+                                        <p:cTn id="37" dur="1" fill="hold">
+                                          <p:stCondLst>
+                                            <p:cond delay="0"/>
+                                          </p:stCondLst>
+                                        </p:cTn>
+                                        <p:tgtEl>
+                                          <p:spTgt spid="3">
+                                            <p:txEl>
+                                              <p:pRg st="5" end="5"/>
+                                            </p:txEl>
+                                          </p:spTgt>
+                                        </p:tgtEl>
+                                        <p:attrNameLst>
+                                          <p:attrName>style.visibility</p:attrName>
+                                        </p:attrNameLst>
+                                      </p:cBhvr>
+                                      <p:to>
+                                        <p:strVal val="visible"/>
+                                      </p:to>
+                                    </p:set>
+                                    <p:animEffect transition="in" filter="fade">
+                                      <p:cBhvr>
+                                        <p:cTn id="38" dur="1000"/>
+                                        <p:tgtEl>
+                                          <p:spTgt spid="3">
+                                            <p:txEl>
+                                              <p:pRg st="5" end="5"/>
+                                            </p:txEl>
+                                          </p:spTgt>
+                                        </p:tgtEl>
+                                      </p:cBhvr>
+                                    </p:animEffect>
+                                    <p:anim calcmode="lin" valueType="num">
+                                      <p:cBhvr>
+                                        <p:cTn id="39" dur="1000" fill="hold"/>
+                                        <p:tgtEl>
+                                          <p:spTgt spid="3">
+                                            <p:txEl>
+                                              <p:pRg st="5" end="5"/>
+                                            </p:txEl>
+                                          </p:spTgt>
+                                        </p:tgtEl>
+                                        <p:attrNameLst>
+                                          <p:attrName>ppt_x</p:attrName>
+                                        </p:attrNameLst>
+                                      </p:cBhvr>
+                                      <p:tavLst>
+                                        <p:tav tm="0">
+                                          <p:val>
+                                            <p:strVal val="#ppt_x"/>
+                                          </p:val>
+                                        </p:tav>
+                                        <p:tav tm="100000">
+                                          <p:val>
+                                            <p:strVal val="#ppt_x"/>
+                                          </p:val>
+                                        </p:tav>
+                                      </p:tavLst>
+                                    </p:anim>
+                                    <p:anim calcmode="lin" valueType="num">
+                                      <p:cBhvr>
+                                        <p:cTn id="40" dur="1000" fill="hold"/>
+                                        <p:tgtEl>
+                                          <p:spTgt spid="3">
+                                            <p:txEl>
+                                              <p:pRg st="5" end="5"/>
+                                            </p:txEl>
+                                          </p:spTgt>
+                                        </p:tgtEl>
+                                        <p:attrNameLst>
+                                          <p:attrName>ppt_y</p:attrName>
+                                        </p:attrNameLst>
+                                      </p:cBhvr>
+                                      <p:tavLst>
+                                        <p:tav tm="0">
+                                          <p:val>
+                                            <p:strVal val="#ppt_y+.1"/>
+                                          </p:val>
+                                        </p:tav>
+                                        <p:tav tm="100000">
+                                          <p:val>
+                                            <p:strVal val="#ppt_y"/>
+                                          </p:val>
+                                        </p:tav>
+                                      </p:tavLst>
+                                    </p:anim>
+                                  </p:childTnLst>
+                                </p:cTn>
+                              </p:par>
+                            </p:childTnLst>
+                          </p:cTn>
+                        </p:par>
+                      </p:childTnLst>
+                    </p:cTn>
+                  </p:par>
+                  <p:par>
+                    <p:cTn id="41" fill="hold">
+                      <p:stCondLst>
+                        <p:cond delay="indefinite"/>
+                      </p:stCondLst>
+                      <p:childTnLst>
+                        <p:par>
+                          <p:cTn id="42" fill="hold">
+                            <p:stCondLst>
+                              <p:cond delay="0"/>
+                            </p:stCondLst>
+                            <p:childTnLst>
+                              <p:par>
+                                <p:cTn id="43" presetID="42" presetClass="entr" presetSubtype="0" fill="hold" grpId="0" nodeType="clickEffect">
+                                  <p:stCondLst>
+                                    <p:cond delay="0"/>
+                                  </p:stCondLst>
+                                  <p:childTnLst>
+                                    <p:set>
+                                      <p:cBhvr>
+                                        <p:cTn id="44" dur="1" fill="hold">
+                                          <p:stCondLst>
+                                            <p:cond delay="0"/>
+                                          </p:stCondLst>
+                                        </p:cTn>
+                                        <p:tgtEl>
+                                          <p:spTgt spid="3">
+                                            <p:txEl>
+                                              <p:pRg st="6" end="6"/>
+                                            </p:txEl>
+                                          </p:spTgt>
+                                        </p:tgtEl>
+                                        <p:attrNameLst>
+                                          <p:attrName>style.visibility</p:attrName>
+                                        </p:attrNameLst>
+                                      </p:cBhvr>
+                                      <p:to>
+                                        <p:strVal val="visible"/>
+                                      </p:to>
+                                    </p:set>
+                                    <p:animEffect transition="in" filter="fade">
+                                      <p:cBhvr>
+                                        <p:cTn id="45" dur="1000"/>
+                                        <p:tgtEl>
+                                          <p:spTgt spid="3">
+                                            <p:txEl>
+                                              <p:pRg st="6" end="6"/>
+                                            </p:txEl>
+                                          </p:spTgt>
+                                        </p:tgtEl>
+                                      </p:cBhvr>
+                                    </p:animEffect>
+                                    <p:anim calcmode="lin" valueType="num">
+                                      <p:cBhvr>
+                                        <p:cTn id="46" dur="1000" fill="hold"/>
+                                        <p:tgtEl>
+                                          <p:spTgt spid="3">
+                                            <p:txEl>
+                                              <p:pRg st="6" end="6"/>
+                                            </p:txEl>
+                                          </p:spTgt>
+                                        </p:tgtEl>
+                                        <p:attrNameLst>
+                                          <p:attrName>ppt_x</p:attrName>
+                                        </p:attrNameLst>
+                                      </p:cBhvr>
+                                      <p:tavLst>
+                                        <p:tav tm="0">
+                                          <p:val>
+                                            <p:strVal val="#ppt_x"/>
+                                          </p:val>
+                                        </p:tav>
+                                        <p:tav tm="100000">
+                                          <p:val>
+                                            <p:strVal val="#ppt_x"/>
+                                          </p:val>
+                                        </p:tav>
+                                      </p:tavLst>
+                                    </p:anim>
+                                    <p:anim calcmode="lin" valueType="num">
+                                      <p:cBhvr>
+                                        <p:cTn id="47" dur="1000" fill="hold"/>
+                                        <p:tgtEl>
+                                          <p:spTgt spid="3">
+                                            <p:txEl>
+                                              <p:pRg st="6" end="6"/>
+                                            </p:txEl>
+                                          </p:spTgt>
+                                        </p:tgtEl>
+                                        <p:attrNameLst>
+                                          <p:attrName>ppt_y</p:attrName>
+                                        </p:attrNameLst>
+                                      </p:cBhvr>
+                                      <p:tavLst>
+                                        <p:tav tm="0">
+                                          <p:val>
+                                            <p:strVal val="#ppt_y+.1"/>
+                                          </p:val>
+                                        </p:tav>
+                                        <p:tav tm="100000">
+                                          <p:val>
+                                            <p:strVal val="#ppt_y"/>
+                                          </p:val>
+                                        </p:tav>
+                                      </p:tavLst>
+                                    </p:anim>
+                                  </p:childTnLst>
+                                </p:cTn>
+                              </p:par>
+                            </p:childTnLst>
+                          </p:cTn>
+                        </p:par>
+                      </p:childTnLst>
+                    </p:cTn>
+                  </p:par>
+                  <p:par>
+                    <p:cTn id="48" fill="hold">
+                      <p:stCondLst>
+                        <p:cond delay="indefinite"/>
+                      </p:stCondLst>
+                      <p:childTnLst>
+                        <p:par>
+                          <p:cTn id="49" fill="hold">
+                            <p:stCondLst>
+                              <p:cond delay="0"/>
+                            </p:stCondLst>
+                            <p:childTnLst>
+                              <p:par>
+                                <p:cTn id="50" presetID="42" presetClass="entr" presetSubtype="0" fill="hold" grpId="0" nodeType="clickEffect">
+                                  <p:stCondLst>
+                                    <p:cond delay="0"/>
+                                  </p:stCondLst>
+                                  <p:childTnLst>
+                                    <p:set>
+                                      <p:cBhvr>
+                                        <p:cTn id="51" dur="1" fill="hold">
+                                          <p:stCondLst>
+                                            <p:cond delay="0"/>
+                                          </p:stCondLst>
+                                        </p:cTn>
+                                        <p:tgtEl>
+                                          <p:spTgt spid="3">
+                                            <p:txEl>
+                                              <p:pRg st="7" end="7"/>
+                                            </p:txEl>
+                                          </p:spTgt>
+                                        </p:tgtEl>
+                                        <p:attrNameLst>
+                                          <p:attrName>style.visibility</p:attrName>
+                                        </p:attrNameLst>
+                                      </p:cBhvr>
+                                      <p:to>
+                                        <p:strVal val="visible"/>
+                                      </p:to>
+                                    </p:set>
+                                    <p:animEffect transition="in" filter="fade">
+                                      <p:cBhvr>
+                                        <p:cTn id="52" dur="1000"/>
+                                        <p:tgtEl>
+                                          <p:spTgt spid="3">
+                                            <p:txEl>
+                                              <p:pRg st="7" end="7"/>
+                                            </p:txEl>
+                                          </p:spTgt>
+                                        </p:tgtEl>
+                                      </p:cBhvr>
+                                    </p:animEffect>
+                                    <p:anim calcmode="lin" valueType="num">
+                                      <p:cBhvr>
+                                        <p:cTn id="53" dur="1000" fill="hold"/>
+                                        <p:tgtEl>
+                                          <p:spTgt spid="3">
+                                            <p:txEl>
+                                              <p:pRg st="7" end="7"/>
+                                            </p:txEl>
+                                          </p:spTgt>
+                                        </p:tgtEl>
+                                        <p:attrNameLst>
+                                          <p:attrName>ppt_x</p:attrName>
+                                        </p:attrNameLst>
+                                      </p:cBhvr>
+                                      <p:tavLst>
+                                        <p:tav tm="0">
+                                          <p:val>
+                                            <p:strVal val="#ppt_x"/>
+                                          </p:val>
+                                        </p:tav>
+                                        <p:tav tm="100000">
+                                          <p:val>
+                                            <p:strVal val="#ppt_x"/>
+                                          </p:val>
+                                        </p:tav>
+                                      </p:tavLst>
+                                    </p:anim>
+                                    <p:anim calcmode="lin" valueType="num">
+                                      <p:cBhvr>
+                                        <p:cTn id="54" dur="1000" fill="hold"/>
+                                        <p:tgtEl>
+                                          <p:spTgt spid="3">
+                                            <p:txEl>
+                                              <p:pRg st="7" end="7"/>
+                                            </p:txEl>
+                                          </p:spTgt>
+                                        </p:tgtEl>
+                                        <p:attrNameLst>
+                                          <p:attrName>ppt_y</p:attrName>
+                                        </p:attrNameLst>
+                                      </p:cBhvr>
+                                      <p:tavLst>
+                                        <p:tav tm="0">
+                                          <p:val>
+                                            <p:strVal val="#ppt_y+.1"/>
+                                          </p:val>
+                                        </p:tav>
+                                        <p:tav tm="100000">
+                                          <p:val>
+                                            <p:strVal val="#ppt_y"/>
+                                          </p:val>
+                                        </p:tav>
+                                      </p:tavLst>
+                                    </p:anim>
+                                  </p:childTnLst>
+                                </p:cTn>
+                              </p:par>
+                            </p:childTnLst>
+                          </p:cTn>
+                        </p:par>
+                      </p:childTnLst>
+                    </p:cTn>
+                  </p:par>
+                </p:childTnLst>
+              </p:cTn>
+              <p:prevCondLst>
+                <p:cond evt="onPrev" delay="0">
+                  <p:tgtEl>
+                    <p:sldTgt/>
+                  </p:tgtEl>
+                </p:cond>
+              </p:prevCondLst>
+              <p:nextCondLst>
+                <p:cond evt="onNext" delay="0">
+                  <p:tgtEl>
+                    <p:sldTgt/>
+                  </p:tgtEl>
+                </p:cond>
+              </p:nextCondLst>
+            </p:seq>
+          </p:childTnLst>
+        </p:cTn>
+      </p:par>
+    </p:tnLst>
+    <p:bldLst>
+      <p:bldP spid="3" grpId="0" build="p"/>
+    </p:bldLst>
+  </p:timing>
+</p:sld>
+</file>
+
+<file path=ppt/slides/slide12.xml><?xml version="1.0" encoding="utf-8"?>
+<p:sld xmlns:a="http://schemas.openxmlformats.org/drawingml/2006/main" xmlns:r="http://schemas.openxmlformats.org/officeDocument/2006/relationships" xmlns:p="http://schemas.openxmlformats.org/presentationml/2006/main">
+  <p:cSld>
+    <p:spTree>
+      <p:nvGrpSpPr>
+        <p:cNvPr id="1" name=""/>
+        <p:cNvGrpSpPr/>
+        <p:nvPr/>
+      </p:nvGrpSpPr>
+      <p:grpSpPr>
+        <a:xfrm>
+          <a:off x="0" y="0"/>
+          <a:ext cx="0" cy="0"/>
+          <a:chOff x="0" y="0"/>
+          <a:chExt cx="0" cy="0"/>
+        </a:xfrm>
+      </p:grpSpPr>
+      <p:sp>
+        <p:nvSpPr>
+          <p:cNvPr id="2" name="Title 1"/>
+          <p:cNvSpPr>
+            <a:spLocks noGrp="1"/>
+          </p:cNvSpPr>
+          <p:nvPr>
+            <p:ph type="title"/>
+          </p:nvPr>
+        </p:nvSpPr>
+        <p:spPr/>
+        <p:txBody>
+          <a:bodyPr/>
+          <a:lstStyle/>
+          <a:p>
+            <a:r>
+              <a:rPr lang="en-US" dirty="0"/>
+              <a:t>CDF Web Components</a:t>
+            </a:r>
+          </a:p>
+        </p:txBody>
+      </p:sp>
+      <p:sp>
+        <p:nvSpPr>
+          <p:cNvPr id="4" name="Date Placeholder 3"/>
+          <p:cNvSpPr>
+            <a:spLocks noGrp="1"/>
+          </p:cNvSpPr>
+          <p:nvPr>
+            <p:ph type="dt" sz="half" idx="10"/>
+          </p:nvPr>
+        </p:nvSpPr>
+        <p:spPr/>
+        <p:txBody>
+          <a:bodyPr/>
+          <a:lstStyle/>
+          <a:p>
+            <a:fld id="{42A81273-4863-4A7F-932B-AAD4CEB90B5A}" type="datetime1">
+              <a:rPr lang="en-US" smtClean="0"/>
+              <a:t>11/30/2016</a:t>
+            </a:fld>
+            <a:endParaRPr lang="en-US" dirty="0"/>
+          </a:p>
+        </p:txBody>
+      </p:sp>
+      <p:sp>
+        <p:nvSpPr>
+          <p:cNvPr id="5" name="Footer Placeholder 4"/>
+          <p:cNvSpPr>
+            <a:spLocks noGrp="1"/>
+          </p:cNvSpPr>
+          <p:nvPr>
+            <p:ph type="ftr" sz="quarter" idx="11"/>
+          </p:nvPr>
+        </p:nvSpPr>
+        <p:spPr/>
+        <p:txBody>
+          <a:bodyPr/>
+          <a:lstStyle/>
+          <a:p>
+            <a:r>
+              <a:rPr lang="en-US"/>
+              <a:t>COPYRIGHT 2016</a:t>
+            </a:r>
+            <a:endParaRPr lang="en-US" dirty="0"/>
+          </a:p>
+        </p:txBody>
+      </p:sp>
+      <p:sp>
+        <p:nvSpPr>
+          <p:cNvPr id="6" name="Slide Number Placeholder 5"/>
+          <p:cNvSpPr>
+            <a:spLocks noGrp="1"/>
+          </p:cNvSpPr>
+          <p:nvPr>
+            <p:ph type="sldNum" sz="quarter" idx="12"/>
+          </p:nvPr>
+        </p:nvSpPr>
+        <p:spPr/>
+        <p:txBody>
+          <a:bodyPr/>
+          <a:lstStyle/>
+          <a:p>
+            <a:fld id="{71766878-3199-4EAB-94E7-2D6D11070E14}" type="slidenum">
+              <a:rPr lang="en-US" smtClean="0"/>
+              <a:t>12</a:t>
+            </a:fld>
+            <a:endParaRPr lang="en-US" dirty="0"/>
+          </a:p>
+        </p:txBody>
+      </p:sp>
+      <p:pic>
+        <p:nvPicPr>
+          <p:cNvPr id="7" name="Picture 6"/>
+          <p:cNvPicPr>
+            <a:picLocks noChangeAspect="1"/>
+          </p:cNvPicPr>
+          <p:nvPr/>
+        </p:nvPicPr>
+        <p:blipFill>
+          <a:blip r:embed="rId2"/>
+          <a:stretch>
+            <a:fillRect/>
+          </a:stretch>
+        </p:blipFill>
+        <p:spPr>
+          <a:xfrm>
+            <a:off x="3229997" y="1754466"/>
+            <a:ext cx="5738101" cy="4135742"/>
+          </a:xfrm>
+          <a:prstGeom prst="rect">
+            <a:avLst/>
+          </a:prstGeom>
+        </p:spPr>
+      </p:pic>
+      <p:sp>
+        <p:nvSpPr>
+          <p:cNvPr id="8" name="TextBox 7"/>
+          <p:cNvSpPr txBox="1"/>
+          <p:nvPr/>
+        </p:nvSpPr>
+        <p:spPr>
+          <a:xfrm rot="20658663">
+            <a:off x="855691" y="2528031"/>
+            <a:ext cx="2293746" cy="830997"/>
+          </a:xfrm>
+          <a:prstGeom prst="rect">
+            <a:avLst/>
+          </a:prstGeom>
+          <a:noFill/>
+        </p:spPr>
+        <p:txBody>
+          <a:bodyPr wrap="square" rtlCol="0">
+            <a:spAutoFit/>
+          </a:bodyPr>
+          <a:lstStyle/>
+          <a:p>
+            <a:pPr algn="ctr"/>
+            <a:r>
+              <a:rPr lang="en-US" sz="2400" dirty="0">
+                <a:solidFill>
+                  <a:srgbClr val="FF0000"/>
+                </a:solidFill>
+              </a:rPr>
+              <a:t>YouTube Video Component</a:t>
+            </a:r>
+          </a:p>
+        </p:txBody>
+      </p:sp>
+      <p:cxnSp>
+        <p:nvCxnSpPr>
+          <p:cNvPr id="10" name="Straight Arrow Connector 9"/>
+          <p:cNvCxnSpPr/>
+          <p:nvPr/>
+        </p:nvCxnSpPr>
+        <p:spPr>
+          <a:xfrm flipV="1">
+            <a:off x="2569310" y="3004480"/>
+            <a:ext cx="1807411" cy="208863"/>
+          </a:xfrm>
+          <a:prstGeom prst="straightConnector1">
+            <a:avLst/>
+          </a:prstGeom>
+          <a:ln w="38100">
+            <a:solidFill>
+              <a:srgbClr val="FF0000"/>
+            </a:solidFill>
+            <a:tailEnd type="triangle"/>
+          </a:ln>
+        </p:spPr>
+        <p:style>
+          <a:lnRef idx="1">
+            <a:schemeClr val="accent1"/>
+          </a:lnRef>
+          <a:fillRef idx="0">
+            <a:schemeClr val="accent1"/>
+          </a:fillRef>
+          <a:effectRef idx="0">
+            <a:schemeClr val="accent1"/>
+          </a:effectRef>
+          <a:fontRef idx="minor">
+            <a:schemeClr val="tx1"/>
+          </a:fontRef>
+        </p:style>
+      </p:cxnSp>
+      <p:sp>
+        <p:nvSpPr>
+          <p:cNvPr id="12" name="TextBox 11"/>
+          <p:cNvSpPr txBox="1"/>
+          <p:nvPr/>
+        </p:nvSpPr>
+        <p:spPr>
+          <a:xfrm rot="20658663">
+            <a:off x="1003051" y="4353725"/>
+            <a:ext cx="2293746" cy="830997"/>
+          </a:xfrm>
+          <a:prstGeom prst="rect">
+            <a:avLst/>
+          </a:prstGeom>
+          <a:noFill/>
+        </p:spPr>
+        <p:txBody>
+          <a:bodyPr wrap="square" rtlCol="0">
+            <a:spAutoFit/>
+          </a:bodyPr>
+          <a:lstStyle/>
+          <a:p>
+            <a:pPr algn="ctr"/>
+            <a:r>
+              <a:rPr lang="en-US" sz="2400" dirty="0">
+                <a:solidFill>
+                  <a:srgbClr val="FF0000"/>
+                </a:solidFill>
+              </a:rPr>
+              <a:t>Image Component</a:t>
+            </a:r>
+          </a:p>
+        </p:txBody>
+      </p:sp>
+      <p:cxnSp>
+        <p:nvCxnSpPr>
+          <p:cNvPr id="13" name="Straight Arrow Connector 12"/>
+          <p:cNvCxnSpPr/>
+          <p:nvPr/>
+        </p:nvCxnSpPr>
+        <p:spPr>
+          <a:xfrm flipV="1">
+            <a:off x="2965116" y="4313714"/>
+            <a:ext cx="1807411" cy="208863"/>
+          </a:xfrm>
+          <a:prstGeom prst="straightConnector1">
+            <a:avLst/>
+          </a:prstGeom>
+          <a:ln w="38100">
+            <a:solidFill>
+              <a:srgbClr val="FF0000"/>
+            </a:solidFill>
+            <a:tailEnd type="triangle"/>
+          </a:ln>
+        </p:spPr>
+        <p:style>
+          <a:lnRef idx="1">
+            <a:schemeClr val="accent1"/>
+          </a:lnRef>
+          <a:fillRef idx="0">
+            <a:schemeClr val="accent1"/>
+          </a:fillRef>
+          <a:effectRef idx="0">
+            <a:schemeClr val="accent1"/>
+          </a:effectRef>
+          <a:fontRef idx="minor">
+            <a:schemeClr val="tx1"/>
+          </a:fontRef>
+        </p:style>
+      </p:cxnSp>
+      <p:cxnSp>
+        <p:nvCxnSpPr>
+          <p:cNvPr id="14" name="Straight Arrow Connector 13"/>
+          <p:cNvCxnSpPr/>
+          <p:nvPr/>
+        </p:nvCxnSpPr>
+        <p:spPr>
+          <a:xfrm flipV="1">
+            <a:off x="2965115" y="3015544"/>
+            <a:ext cx="4462380" cy="1513669"/>
+          </a:xfrm>
+          <a:prstGeom prst="straightConnector1">
+            <a:avLst/>
+          </a:prstGeom>
+          <a:ln w="38100">
+            <a:solidFill>
+              <a:srgbClr val="FF0000"/>
+            </a:solidFill>
+            <a:tailEnd type="triangle"/>
+          </a:ln>
+        </p:spPr>
+        <p:style>
+          <a:lnRef idx="1">
+            <a:schemeClr val="accent1"/>
+          </a:lnRef>
+          <a:fillRef idx="0">
+            <a:schemeClr val="accent1"/>
+          </a:fillRef>
+          <a:effectRef idx="0">
+            <a:schemeClr val="accent1"/>
+          </a:effectRef>
+          <a:fontRef idx="minor">
+            <a:schemeClr val="tx1"/>
+          </a:fontRef>
+        </p:style>
+      </p:cxnSp>
+      <p:cxnSp>
+        <p:nvCxnSpPr>
+          <p:cNvPr id="16" name="Straight Arrow Connector 15"/>
+          <p:cNvCxnSpPr/>
+          <p:nvPr/>
+        </p:nvCxnSpPr>
+        <p:spPr>
+          <a:xfrm>
+            <a:off x="2965116" y="4526238"/>
+            <a:ext cx="3911600" cy="43478"/>
+          </a:xfrm>
+          <a:prstGeom prst="straightConnector1">
+            <a:avLst/>
+          </a:prstGeom>
+          <a:ln w="38100">
+            <a:solidFill>
+              <a:srgbClr val="FF0000"/>
+            </a:solidFill>
+            <a:tailEnd type="triangle"/>
+          </a:ln>
+        </p:spPr>
+        <p:style>
+          <a:lnRef idx="1">
+            <a:schemeClr val="accent1"/>
+          </a:lnRef>
+          <a:fillRef idx="0">
+            <a:schemeClr val="accent1"/>
+          </a:fillRef>
+          <a:effectRef idx="0">
+            <a:schemeClr val="accent1"/>
+          </a:effectRef>
+          <a:fontRef idx="minor">
+            <a:schemeClr val="tx1"/>
+          </a:fontRef>
+        </p:style>
+      </p:cxnSp>
+      <p:cxnSp>
+        <p:nvCxnSpPr>
+          <p:cNvPr id="18" name="Straight Arrow Connector 17"/>
+          <p:cNvCxnSpPr/>
+          <p:nvPr/>
+        </p:nvCxnSpPr>
+        <p:spPr>
+          <a:xfrm>
+            <a:off x="2976047" y="4531044"/>
+            <a:ext cx="1617342" cy="919737"/>
+          </a:xfrm>
+          <a:prstGeom prst="straightConnector1">
+            <a:avLst/>
+          </a:prstGeom>
+          <a:ln w="38100">
+            <a:solidFill>
+              <a:srgbClr val="FF0000"/>
+            </a:solidFill>
+            <a:tailEnd type="triangle"/>
+          </a:ln>
+        </p:spPr>
+        <p:style>
+          <a:lnRef idx="1">
+            <a:schemeClr val="accent1"/>
+          </a:lnRef>
+          <a:fillRef idx="0">
+            <a:schemeClr val="accent1"/>
+          </a:fillRef>
+          <a:effectRef idx="0">
+            <a:schemeClr val="accent1"/>
+          </a:effectRef>
+          <a:fontRef idx="minor">
+            <a:schemeClr val="tx1"/>
+          </a:fontRef>
+        </p:style>
+      </p:cxnSp>
+      <p:sp>
+        <p:nvSpPr>
+          <p:cNvPr id="20" name="Right Brace 19"/>
+          <p:cNvSpPr/>
+          <p:nvPr/>
+        </p:nvSpPr>
+        <p:spPr>
+          <a:xfrm>
+            <a:off x="8459537" y="2304716"/>
+            <a:ext cx="1149684" cy="3791284"/>
+          </a:xfrm>
+          <a:prstGeom prst="rightBrace">
+            <a:avLst/>
+          </a:prstGeom>
+          <a:ln w="28575"/>
+        </p:spPr>
+        <p:style>
+          <a:lnRef idx="1">
+            <a:schemeClr val="accent1"/>
+          </a:lnRef>
+          <a:fillRef idx="0">
+            <a:schemeClr val="accent1"/>
+          </a:fillRef>
+          <a:effectRef idx="0">
+            <a:schemeClr val="accent1"/>
+          </a:effectRef>
+          <a:fontRef idx="minor">
+            <a:schemeClr val="tx1"/>
+          </a:fontRef>
+        </p:style>
+        <p:txBody>
+          <a:bodyPr rtlCol="0" anchor="ctr"/>
+          <a:lstStyle/>
+          <a:p>
+            <a:pPr algn="ctr"/>
+            <a:endParaRPr lang="en-US"/>
+          </a:p>
+        </p:txBody>
+      </p:sp>
+      <p:sp>
+        <p:nvSpPr>
+          <p:cNvPr id="21" name="TextBox 20"/>
+          <p:cNvSpPr txBox="1"/>
+          <p:nvPr/>
+        </p:nvSpPr>
+        <p:spPr>
+          <a:xfrm rot="1230519">
+            <a:off x="9079945" y="3356879"/>
+            <a:ext cx="2293746" cy="830997"/>
+          </a:xfrm>
+          <a:prstGeom prst="rect">
+            <a:avLst/>
+          </a:prstGeom>
+          <a:noFill/>
+        </p:spPr>
+        <p:txBody>
+          <a:bodyPr wrap="square" rtlCol="0">
+            <a:spAutoFit/>
+          </a:bodyPr>
+          <a:lstStyle/>
+          <a:p>
+            <a:pPr algn="ctr"/>
+            <a:r>
+              <a:rPr lang="en-US" sz="2400" dirty="0">
+                <a:solidFill>
+                  <a:srgbClr val="FF0000"/>
+                </a:solidFill>
+              </a:rPr>
+              <a:t>Media Slider</a:t>
+            </a:r>
+          </a:p>
+          <a:p>
+            <a:pPr algn="ctr"/>
+            <a:r>
+              <a:rPr lang="en-US" sz="2400" dirty="0">
+                <a:solidFill>
+                  <a:srgbClr val="FF0000"/>
+                </a:solidFill>
+              </a:rPr>
+              <a:t>Component</a:t>
+            </a:r>
+          </a:p>
+        </p:txBody>
+      </p:sp>
+    </p:spTree>
+    <p:extLst>
+      <p:ext uri="{BB962C8B-B14F-4D97-AF65-F5344CB8AC3E}">
+        <p14:creationId xmlns:p14="http://schemas.microsoft.com/office/powerpoint/2010/main" val="2456078309"/>
+      </p:ext>
+    </p:extLst>
+  </p:cSld>
+  <p:clrMapOvr>
+    <a:masterClrMapping/>
+  </p:clrMapOvr>
+  <p:transition spd="slow">
+    <p:push dir="u"/>
+  </p:transition>
+</p:sld>
+</file>
+
+<file path=ppt/slides/slide13.xml><?xml version="1.0" encoding="utf-8"?>
+<p:sld xmlns:a="http://schemas.openxmlformats.org/drawingml/2006/main" xmlns:r="http://schemas.openxmlformats.org/officeDocument/2006/relationships" xmlns:p="http://schemas.openxmlformats.org/presentationml/2006/main">
+  <p:cSld>
+    <p:spTree>
+      <p:nvGrpSpPr>
+        <p:cNvPr id="1" name=""/>
+        <p:cNvGrpSpPr/>
+        <p:nvPr/>
+      </p:nvGrpSpPr>
+      <p:grpSpPr>
+        <a:xfrm>
+          <a:off x="0" y="0"/>
+          <a:ext cx="0" cy="0"/>
+          <a:chOff x="0" y="0"/>
+          <a:chExt cx="0" cy="0"/>
+        </a:xfrm>
+      </p:grpSpPr>
+      <p:sp>
+        <p:nvSpPr>
+          <p:cNvPr id="2" name="Title 1"/>
+          <p:cNvSpPr>
+            <a:spLocks noGrp="1"/>
+          </p:cNvSpPr>
+          <p:nvPr>
+            <p:ph type="title"/>
+          </p:nvPr>
+        </p:nvSpPr>
+        <p:spPr/>
+        <p:txBody>
+          <a:bodyPr/>
+          <a:lstStyle/>
+          <a:p>
+            <a:r>
+              <a:rPr lang="en-US" dirty="0"/>
+              <a:t>CDF Web Components</a:t>
+            </a:r>
+          </a:p>
+        </p:txBody>
+      </p:sp>
+      <p:sp>
+        <p:nvSpPr>
+          <p:cNvPr id="4" name="Date Placeholder 3"/>
+          <p:cNvSpPr>
+            <a:spLocks noGrp="1"/>
+          </p:cNvSpPr>
+          <p:nvPr>
+            <p:ph type="dt" sz="half" idx="10"/>
+          </p:nvPr>
+        </p:nvSpPr>
+        <p:spPr/>
+        <p:txBody>
+          <a:bodyPr/>
+          <a:lstStyle/>
+          <a:p>
+            <a:fld id="{42A81273-4863-4A7F-932B-AAD4CEB90B5A}" type="datetime1">
+              <a:rPr lang="en-US" smtClean="0"/>
+              <a:t>11/30/2016</a:t>
+            </a:fld>
+            <a:endParaRPr lang="en-US" dirty="0"/>
+          </a:p>
+        </p:txBody>
+      </p:sp>
+      <p:sp>
+        <p:nvSpPr>
+          <p:cNvPr id="5" name="Footer Placeholder 4"/>
+          <p:cNvSpPr>
+            <a:spLocks noGrp="1"/>
+          </p:cNvSpPr>
+          <p:nvPr>
+            <p:ph type="ftr" sz="quarter" idx="11"/>
+          </p:nvPr>
+        </p:nvSpPr>
+        <p:spPr/>
+        <p:txBody>
+          <a:bodyPr/>
+          <a:lstStyle/>
+          <a:p>
+            <a:r>
+              <a:rPr lang="en-US"/>
+              <a:t>COPYRIGHT 2016</a:t>
+            </a:r>
+            <a:endParaRPr lang="en-US" dirty="0"/>
+          </a:p>
+        </p:txBody>
+      </p:sp>
+      <p:sp>
+        <p:nvSpPr>
+          <p:cNvPr id="6" name="Slide Number Placeholder 5"/>
+          <p:cNvSpPr>
+            <a:spLocks noGrp="1"/>
+          </p:cNvSpPr>
+          <p:nvPr>
+            <p:ph type="sldNum" sz="quarter" idx="12"/>
+          </p:nvPr>
+        </p:nvSpPr>
+        <p:spPr/>
+        <p:txBody>
+          <a:bodyPr/>
+          <a:lstStyle/>
+          <a:p>
+            <a:fld id="{71766878-3199-4EAB-94E7-2D6D11070E14}" type="slidenum">
+              <a:rPr lang="en-US" smtClean="0"/>
+              <a:t>13</a:t>
+            </a:fld>
+            <a:endParaRPr lang="en-US" dirty="0"/>
+          </a:p>
+        </p:txBody>
+      </p:sp>
+      <p:pic>
+        <p:nvPicPr>
+          <p:cNvPr id="7" name="Picture 6"/>
+          <p:cNvPicPr>
+            <a:picLocks noChangeAspect="1"/>
+          </p:cNvPicPr>
+          <p:nvPr/>
+        </p:nvPicPr>
+        <p:blipFill>
+          <a:blip r:embed="rId2"/>
+          <a:stretch>
+            <a:fillRect/>
+          </a:stretch>
+        </p:blipFill>
+        <p:spPr>
+          <a:xfrm>
+            <a:off x="4044897" y="1609559"/>
+            <a:ext cx="4108302" cy="4288771"/>
+          </a:xfrm>
+          <a:prstGeom prst="rect">
+            <a:avLst/>
+          </a:prstGeom>
+        </p:spPr>
+      </p:pic>
+      <p:sp>
+        <p:nvSpPr>
+          <p:cNvPr id="8" name="TextBox 7"/>
+          <p:cNvSpPr txBox="1"/>
+          <p:nvPr/>
+        </p:nvSpPr>
+        <p:spPr>
+          <a:xfrm rot="20658663">
+            <a:off x="601741" y="3011535"/>
+            <a:ext cx="2293746" cy="830997"/>
+          </a:xfrm>
+          <a:prstGeom prst="rect">
+            <a:avLst/>
+          </a:prstGeom>
+          <a:noFill/>
+        </p:spPr>
+        <p:txBody>
+          <a:bodyPr wrap="square" rtlCol="0">
+            <a:spAutoFit/>
+          </a:bodyPr>
+          <a:lstStyle/>
+          <a:p>
+            <a:pPr algn="ctr"/>
+            <a:r>
+              <a:rPr lang="en-US" sz="2400" dirty="0">
+                <a:solidFill>
+                  <a:srgbClr val="FF0000"/>
+                </a:solidFill>
+              </a:rPr>
+              <a:t>Twitter Component</a:t>
+            </a:r>
+          </a:p>
+        </p:txBody>
+      </p:sp>
+      <p:cxnSp>
+        <p:nvCxnSpPr>
+          <p:cNvPr id="9" name="Straight Arrow Connector 8"/>
+          <p:cNvCxnSpPr/>
+          <p:nvPr/>
+        </p:nvCxnSpPr>
+        <p:spPr>
+          <a:xfrm flipV="1">
+            <a:off x="2687052" y="2588126"/>
+            <a:ext cx="3366169" cy="601722"/>
+          </a:xfrm>
+          <a:prstGeom prst="straightConnector1">
+            <a:avLst/>
+          </a:prstGeom>
+          <a:ln w="38100">
+            <a:solidFill>
+              <a:srgbClr val="FF0000"/>
+            </a:solidFill>
+            <a:tailEnd type="triangle"/>
+          </a:ln>
+        </p:spPr>
+        <p:style>
+          <a:lnRef idx="1">
+            <a:schemeClr val="accent1"/>
+          </a:lnRef>
+          <a:fillRef idx="0">
+            <a:schemeClr val="accent1"/>
+          </a:fillRef>
+          <a:effectRef idx="0">
+            <a:schemeClr val="accent1"/>
+          </a:effectRef>
+          <a:fontRef idx="minor">
+            <a:schemeClr val="tx1"/>
+          </a:fontRef>
+        </p:style>
+      </p:cxnSp>
+      <p:cxnSp>
+        <p:nvCxnSpPr>
+          <p:cNvPr id="11" name="Straight Arrow Connector 10"/>
+          <p:cNvCxnSpPr/>
+          <p:nvPr/>
+        </p:nvCxnSpPr>
+        <p:spPr>
+          <a:xfrm>
+            <a:off x="2687051" y="3189848"/>
+            <a:ext cx="2307391" cy="692671"/>
+          </a:xfrm>
+          <a:prstGeom prst="straightConnector1">
+            <a:avLst/>
+          </a:prstGeom>
+          <a:ln w="38100">
+            <a:solidFill>
+              <a:srgbClr val="FF0000"/>
+            </a:solidFill>
+            <a:tailEnd type="triangle"/>
+          </a:ln>
+        </p:spPr>
+        <p:style>
+          <a:lnRef idx="1">
+            <a:schemeClr val="accent1"/>
+          </a:lnRef>
+          <a:fillRef idx="0">
+            <a:schemeClr val="accent1"/>
+          </a:fillRef>
+          <a:effectRef idx="0">
+            <a:schemeClr val="accent1"/>
+          </a:effectRef>
+          <a:fontRef idx="minor">
+            <a:schemeClr val="tx1"/>
+          </a:fontRef>
+        </p:style>
+      </p:cxnSp>
+      <p:cxnSp>
+        <p:nvCxnSpPr>
+          <p:cNvPr id="13" name="Straight Arrow Connector 12"/>
+          <p:cNvCxnSpPr/>
+          <p:nvPr/>
+        </p:nvCxnSpPr>
+        <p:spPr>
+          <a:xfrm>
+            <a:off x="2687050" y="3189848"/>
+            <a:ext cx="3411998" cy="128757"/>
+          </a:xfrm>
+          <a:prstGeom prst="straightConnector1">
+            <a:avLst/>
+          </a:prstGeom>
+          <a:ln w="38100">
+            <a:solidFill>
+              <a:srgbClr val="FF0000"/>
+            </a:solidFill>
+            <a:tailEnd type="triangle"/>
+          </a:ln>
+        </p:spPr>
+        <p:style>
+          <a:lnRef idx="1">
+            <a:schemeClr val="accent1"/>
+          </a:lnRef>
+          <a:fillRef idx="0">
+            <a:schemeClr val="accent1"/>
+          </a:fillRef>
+          <a:effectRef idx="0">
+            <a:schemeClr val="accent1"/>
+          </a:effectRef>
+          <a:fontRef idx="minor">
+            <a:schemeClr val="tx1"/>
+          </a:fontRef>
+        </p:style>
+      </p:cxnSp>
+      <p:cxnSp>
+        <p:nvCxnSpPr>
+          <p:cNvPr id="16" name="Straight Arrow Connector 15"/>
+          <p:cNvCxnSpPr/>
+          <p:nvPr/>
+        </p:nvCxnSpPr>
+        <p:spPr>
+          <a:xfrm>
+            <a:off x="2687049" y="3189848"/>
+            <a:ext cx="3088109" cy="2232384"/>
+          </a:xfrm>
+          <a:prstGeom prst="straightConnector1">
+            <a:avLst/>
+          </a:prstGeom>
+          <a:ln w="38100">
+            <a:solidFill>
+              <a:srgbClr val="FF0000"/>
+            </a:solidFill>
+            <a:tailEnd type="triangle"/>
+          </a:ln>
+        </p:spPr>
+        <p:style>
+          <a:lnRef idx="1">
+            <a:schemeClr val="accent1"/>
+          </a:lnRef>
+          <a:fillRef idx="0">
+            <a:schemeClr val="accent1"/>
+          </a:fillRef>
+          <a:effectRef idx="0">
+            <a:schemeClr val="accent1"/>
+          </a:effectRef>
+          <a:fontRef idx="minor">
+            <a:schemeClr val="tx1"/>
+          </a:fontRef>
+        </p:style>
+      </p:cxnSp>
+      <p:sp>
+        <p:nvSpPr>
+          <p:cNvPr id="20" name="TextBox 19"/>
+          <p:cNvSpPr txBox="1"/>
+          <p:nvPr/>
+        </p:nvSpPr>
+        <p:spPr>
+          <a:xfrm rot="907898">
+            <a:off x="8493851" y="3297620"/>
+            <a:ext cx="2293746" cy="830997"/>
+          </a:xfrm>
+          <a:prstGeom prst="rect">
+            <a:avLst/>
+          </a:prstGeom>
+          <a:noFill/>
+        </p:spPr>
+        <p:txBody>
+          <a:bodyPr wrap="square" rtlCol="0">
+            <a:spAutoFit/>
+          </a:bodyPr>
+          <a:lstStyle/>
+          <a:p>
+            <a:pPr algn="ctr"/>
+            <a:r>
+              <a:rPr lang="en-US" sz="2400" dirty="0">
+                <a:solidFill>
+                  <a:srgbClr val="FF0000"/>
+                </a:solidFill>
+              </a:rPr>
+              <a:t>YouTube Component</a:t>
+            </a:r>
+          </a:p>
+        </p:txBody>
+      </p:sp>
+      <p:cxnSp>
+        <p:nvCxnSpPr>
+          <p:cNvPr id="21" name="Straight Arrow Connector 20"/>
+          <p:cNvCxnSpPr/>
+          <p:nvPr/>
+        </p:nvCxnSpPr>
+        <p:spPr>
+          <a:xfrm flipH="1">
+            <a:off x="7454232" y="4096544"/>
+            <a:ext cx="1855536" cy="507598"/>
+          </a:xfrm>
+          <a:prstGeom prst="straightConnector1">
+            <a:avLst/>
+          </a:prstGeom>
+          <a:ln w="38100">
+            <a:solidFill>
+              <a:srgbClr val="FF0000"/>
+            </a:solidFill>
+            <a:tailEnd type="triangle"/>
+          </a:ln>
+        </p:spPr>
+        <p:style>
+          <a:lnRef idx="1">
+            <a:schemeClr val="accent1"/>
+          </a:lnRef>
+          <a:fillRef idx="0">
+            <a:schemeClr val="accent1"/>
+          </a:fillRef>
+          <a:effectRef idx="0">
+            <a:schemeClr val="accent1"/>
+          </a:effectRef>
+          <a:fontRef idx="minor">
+            <a:schemeClr val="tx1"/>
+          </a:fontRef>
+        </p:style>
+      </p:cxnSp>
+      <p:cxnSp>
+        <p:nvCxnSpPr>
+          <p:cNvPr id="25" name="Straight Arrow Connector 24"/>
+          <p:cNvCxnSpPr/>
+          <p:nvPr/>
+        </p:nvCxnSpPr>
+        <p:spPr>
+          <a:xfrm flipH="1">
+            <a:off x="7636042" y="4096544"/>
+            <a:ext cx="1673726" cy="1277561"/>
+          </a:xfrm>
+          <a:prstGeom prst="straightConnector1">
+            <a:avLst/>
+          </a:prstGeom>
+          <a:ln w="38100">
+            <a:solidFill>
+              <a:srgbClr val="FF0000"/>
+            </a:solidFill>
+            <a:tailEnd type="triangle"/>
+          </a:ln>
+        </p:spPr>
+        <p:style>
+          <a:lnRef idx="1">
+            <a:schemeClr val="accent1"/>
+          </a:lnRef>
+          <a:fillRef idx="0">
+            <a:schemeClr val="accent1"/>
+          </a:fillRef>
+          <a:effectRef idx="0">
+            <a:schemeClr val="accent1"/>
+          </a:effectRef>
+          <a:fontRef idx="minor">
+            <a:schemeClr val="tx1"/>
+          </a:fontRef>
+        </p:style>
+      </p:cxnSp>
+    </p:spTree>
+    <p:extLst>
+      <p:ext uri="{BB962C8B-B14F-4D97-AF65-F5344CB8AC3E}">
+        <p14:creationId xmlns:p14="http://schemas.microsoft.com/office/powerpoint/2010/main" val="300756944"/>
+      </p:ext>
+    </p:extLst>
+  </p:cSld>
+  <p:clrMapOvr>
+    <a:masterClrMapping/>
+  </p:clrMapOvr>
+  <p:transition spd="slow">
+    <p:push dir="u"/>
+  </p:transition>
+</p:sld>
+</file>
+
 <file path=ppt/slides/slide2.xml><?xml version="1.0" encoding="utf-8"?>
 <p:sld xmlns:a="http://schemas.openxmlformats.org/drawingml/2006/main" xmlns:r="http://schemas.openxmlformats.org/officeDocument/2006/relationships" xmlns:p="http://schemas.openxmlformats.org/presentationml/2006/main">
   <p:cSld>
@@ -4737,7 +7639,21 @@
           <a:p>
             <a:r>
               <a:rPr lang="en-US" dirty="0"/>
-              <a:t>Web Component Architecture</a:t>
+              <a:t>CDF is really 2 things:</a:t>
+            </a:r>
+          </a:p>
+          <a:p>
+            <a:pPr lvl="1"/>
+            <a:r>
+              <a:rPr lang="en-US" dirty="0"/>
+              <a:t>Retrieval of data from different REST sources (aka Data Island)</a:t>
+            </a:r>
+          </a:p>
+          <a:p>
+            <a:pPr lvl="1"/>
+            <a:r>
+              <a:rPr lang="en-US" dirty="0"/>
+              <a:t>Packaged web components for displaying content (Web Component Architecture)</a:t>
             </a:r>
           </a:p>
         </p:txBody>
@@ -5148,6 +8064,200 @@
                                           <p:spTgt spid="3">
                                             <p:txEl>
                                               <p:pRg st="2" end="2"/>
+                                            </p:txEl>
+                                          </p:spTgt>
+                                        </p:tgtEl>
+                                        <p:attrNameLst>
+                                          <p:attrName>ppt_y</p:attrName>
+                                        </p:attrNameLst>
+                                      </p:cBhvr>
+                                      <p:tavLst>
+                                        <p:tav tm="0">
+                                          <p:val>
+                                            <p:strVal val="#ppt_y+.1"/>
+                                          </p:val>
+                                        </p:tav>
+                                        <p:tav tm="100000">
+                                          <p:val>
+                                            <p:strVal val="#ppt_y"/>
+                                          </p:val>
+                                        </p:tav>
+                                      </p:tavLst>
+                                    </p:anim>
+                                  </p:childTnLst>
+                                </p:cTn>
+                              </p:par>
+                              <p:par>
+                                <p:cTn id="24" presetID="42" presetClass="entr" presetSubtype="0" fill="hold" grpId="0" nodeType="withEffect">
+                                  <p:stCondLst>
+                                    <p:cond delay="0"/>
+                                  </p:stCondLst>
+                                  <p:childTnLst>
+                                    <p:set>
+                                      <p:cBhvr>
+                                        <p:cTn id="25" dur="1" fill="hold">
+                                          <p:stCondLst>
+                                            <p:cond delay="0"/>
+                                          </p:stCondLst>
+                                        </p:cTn>
+                                        <p:tgtEl>
+                                          <p:spTgt spid="3">
+                                            <p:txEl>
+                                              <p:pRg st="3" end="3"/>
+                                            </p:txEl>
+                                          </p:spTgt>
+                                        </p:tgtEl>
+                                        <p:attrNameLst>
+                                          <p:attrName>style.visibility</p:attrName>
+                                        </p:attrNameLst>
+                                      </p:cBhvr>
+                                      <p:to>
+                                        <p:strVal val="visible"/>
+                                      </p:to>
+                                    </p:set>
+                                    <p:animEffect transition="in" filter="fade">
+                                      <p:cBhvr>
+                                        <p:cTn id="26" dur="1000"/>
+                                        <p:tgtEl>
+                                          <p:spTgt spid="3">
+                                            <p:txEl>
+                                              <p:pRg st="3" end="3"/>
+                                            </p:txEl>
+                                          </p:spTgt>
+                                        </p:tgtEl>
+                                      </p:cBhvr>
+                                    </p:animEffect>
+                                    <p:anim calcmode="lin" valueType="num">
+                                      <p:cBhvr>
+                                        <p:cTn id="27" dur="1000" fill="hold"/>
+                                        <p:tgtEl>
+                                          <p:spTgt spid="3">
+                                            <p:txEl>
+                                              <p:pRg st="3" end="3"/>
+                                            </p:txEl>
+                                          </p:spTgt>
+                                        </p:tgtEl>
+                                        <p:attrNameLst>
+                                          <p:attrName>ppt_x</p:attrName>
+                                        </p:attrNameLst>
+                                      </p:cBhvr>
+                                      <p:tavLst>
+                                        <p:tav tm="0">
+                                          <p:val>
+                                            <p:strVal val="#ppt_x"/>
+                                          </p:val>
+                                        </p:tav>
+                                        <p:tav tm="100000">
+                                          <p:val>
+                                            <p:strVal val="#ppt_x"/>
+                                          </p:val>
+                                        </p:tav>
+                                      </p:tavLst>
+                                    </p:anim>
+                                    <p:anim calcmode="lin" valueType="num">
+                                      <p:cBhvr>
+                                        <p:cTn id="28" dur="1000" fill="hold"/>
+                                        <p:tgtEl>
+                                          <p:spTgt spid="3">
+                                            <p:txEl>
+                                              <p:pRg st="3" end="3"/>
+                                            </p:txEl>
+                                          </p:spTgt>
+                                        </p:tgtEl>
+                                        <p:attrNameLst>
+                                          <p:attrName>ppt_y</p:attrName>
+                                        </p:attrNameLst>
+                                      </p:cBhvr>
+                                      <p:tavLst>
+                                        <p:tav tm="0">
+                                          <p:val>
+                                            <p:strVal val="#ppt_y+.1"/>
+                                          </p:val>
+                                        </p:tav>
+                                        <p:tav tm="100000">
+                                          <p:val>
+                                            <p:strVal val="#ppt_y"/>
+                                          </p:val>
+                                        </p:tav>
+                                      </p:tavLst>
+                                    </p:anim>
+                                  </p:childTnLst>
+                                </p:cTn>
+                              </p:par>
+                              <p:par>
+                                <p:cTn id="29" presetID="42" presetClass="entr" presetSubtype="0" fill="hold" grpId="0" nodeType="withEffect">
+                                  <p:stCondLst>
+                                    <p:cond delay="0"/>
+                                  </p:stCondLst>
+                                  <p:childTnLst>
+                                    <p:set>
+                                      <p:cBhvr>
+                                        <p:cTn id="30" dur="1" fill="hold">
+                                          <p:stCondLst>
+                                            <p:cond delay="0"/>
+                                          </p:stCondLst>
+                                        </p:cTn>
+                                        <p:tgtEl>
+                                          <p:spTgt spid="3">
+                                            <p:txEl>
+                                              <p:pRg st="4" end="4"/>
+                                            </p:txEl>
+                                          </p:spTgt>
+                                        </p:tgtEl>
+                                        <p:attrNameLst>
+                                          <p:attrName>style.visibility</p:attrName>
+                                        </p:attrNameLst>
+                                      </p:cBhvr>
+                                      <p:to>
+                                        <p:strVal val="visible"/>
+                                      </p:to>
+                                    </p:set>
+                                    <p:animEffect transition="in" filter="fade">
+                                      <p:cBhvr>
+                                        <p:cTn id="31" dur="1000"/>
+                                        <p:tgtEl>
+                                          <p:spTgt spid="3">
+                                            <p:txEl>
+                                              <p:pRg st="4" end="4"/>
+                                            </p:txEl>
+                                          </p:spTgt>
+                                        </p:tgtEl>
+                                      </p:cBhvr>
+                                    </p:animEffect>
+                                    <p:anim calcmode="lin" valueType="num">
+                                      <p:cBhvr>
+                                        <p:cTn id="32" dur="1000" fill="hold"/>
+                                        <p:tgtEl>
+                                          <p:spTgt spid="3">
+                                            <p:txEl>
+                                              <p:pRg st="4" end="4"/>
+                                            </p:txEl>
+                                          </p:spTgt>
+                                        </p:tgtEl>
+                                        <p:attrNameLst>
+                                          <p:attrName>ppt_x</p:attrName>
+                                        </p:attrNameLst>
+                                      </p:cBhvr>
+                                      <p:tavLst>
+                                        <p:tav tm="0">
+                                          <p:val>
+                                            <p:strVal val="#ppt_x"/>
+                                          </p:val>
+                                        </p:tav>
+                                        <p:tav tm="100000">
+                                          <p:val>
+                                            <p:strVal val="#ppt_x"/>
+                                          </p:val>
+                                        </p:tav>
+                                      </p:tavLst>
+                                    </p:anim>
+                                    <p:anim calcmode="lin" valueType="num">
+                                      <p:cBhvr>
+                                        <p:cTn id="33" dur="1000" fill="hold"/>
+                                        <p:tgtEl>
+                                          <p:spTgt spid="3">
+                                            <p:txEl>
+                                              <p:pRg st="4" end="4"/>
                                             </p:txEl>
                                           </p:spTgt>
                                         </p:tgtEl>
@@ -8732,6 +11842,12 @@
             </a:r>
           </a:p>
           <a:p>
+            <a:r>
+              <a:rPr lang="en-US" dirty="0"/>
+              <a:t>This is handled via CDF Data Islands</a:t>
+            </a:r>
+          </a:p>
+          <a:p>
             <a:endParaRPr lang="en-US" dirty="0"/>
           </a:p>
           <a:p>
@@ -9375,6 +12491,121 @@
                                           <p:spTgt spid="3">
                                             <p:txEl>
                                               <p:pRg st="4" end="4"/>
+                                            </p:txEl>
+                                          </p:spTgt>
+                                        </p:tgtEl>
+                                        <p:attrNameLst>
+                                          <p:attrName>ppt_y</p:attrName>
+                                        </p:attrNameLst>
+                                      </p:cBhvr>
+                                      <p:tavLst>
+                                        <p:tav tm="0">
+                                          <p:val>
+                                            <p:strVal val="#ppt_y+.1"/>
+                                          </p:val>
+                                        </p:tav>
+                                        <p:tav tm="100000">
+                                          <p:val>
+                                            <p:strVal val="#ppt_y"/>
+                                          </p:val>
+                                        </p:tav>
+                                      </p:tavLst>
+                                    </p:anim>
+                                  </p:childTnLst>
+                                </p:cTn>
+                              </p:par>
+                            </p:childTnLst>
+                          </p:cTn>
+                        </p:par>
+                      </p:childTnLst>
+                    </p:cTn>
+                  </p:par>
+                  <p:par>
+                    <p:cTn id="38" fill="hold">
+                      <p:stCondLst>
+                        <p:cond delay="indefinite"/>
+                      </p:stCondLst>
+                      <p:childTnLst>
+                        <p:par>
+                          <p:cTn id="39" fill="hold">
+                            <p:stCondLst>
+                              <p:cond delay="0"/>
+                            </p:stCondLst>
+                            <p:childTnLst>
+                              <p:par>
+                                <p:cTn id="40" presetID="42" presetClass="entr" presetSubtype="0" fill="hold" grpId="0" nodeType="clickEffect">
+                                  <p:stCondLst>
+                                    <p:cond delay="0"/>
+                                  </p:stCondLst>
+                                  <p:childTnLst>
+                                    <p:set>
+                                      <p:cBhvr>
+                                        <p:cTn id="41" dur="1" fill="hold">
+                                          <p:stCondLst>
+                                            <p:cond delay="0"/>
+                                          </p:stCondLst>
+                                        </p:cTn>
+                                        <p:tgtEl>
+                                          <p:spTgt spid="3">
+                                            <p:txEl>
+                                              <p:pRg st="5" end="5"/>
+                                            </p:txEl>
+                                          </p:spTgt>
+                                        </p:tgtEl>
+                                        <p:attrNameLst>
+                                          <p:attrName>style.visibility</p:attrName>
+                                        </p:attrNameLst>
+                                      </p:cBhvr>
+                                      <p:to>
+                                        <p:strVal val="visible"/>
+                                      </p:to>
+                                    </p:set>
+                                    <p:animEffect transition="in" filter="fade">
+                                      <p:cBhvr>
+                                        <p:cTn id="42" dur="1000"/>
+                                        <p:tgtEl>
+                                          <p:spTgt spid="3">
+                                            <p:txEl>
+                                              <p:pRg st="5" end="5"/>
+                                            </p:txEl>
+                                          </p:spTgt>
+                                        </p:tgtEl>
+                                      </p:cBhvr>
+                                    </p:animEffect>
+                                    <p:anim calcmode="lin" valueType="num">
+                                      <p:cBhvr>
+                                        <p:cTn id="43" dur="1000" fill="hold"/>
+                                        <p:tgtEl>
+                                          <p:spTgt spid="3">
+                                            <p:txEl>
+                                              <p:pRg st="5" end="5"/>
+                                            </p:txEl>
+                                          </p:spTgt>
+                                        </p:tgtEl>
+                                        <p:attrNameLst>
+                                          <p:attrName>ppt_x</p:attrName>
+                                        </p:attrNameLst>
+                                      </p:cBhvr>
+                                      <p:tavLst>
+                                        <p:tav tm="0">
+                                          <p:val>
+                                            <p:strVal val="#ppt_x"/>
+                                          </p:val>
+                                        </p:tav>
+                                        <p:tav tm="100000">
+                                          <p:val>
+                                            <p:strVal val="#ppt_x"/>
+                                          </p:val>
+                                        </p:tav>
+                                      </p:tavLst>
+                                    </p:anim>
+                                    <p:anim calcmode="lin" valueType="num">
+                                      <p:cBhvr>
+                                        <p:cTn id="44" dur="1000" fill="hold"/>
+                                        <p:tgtEl>
+                                          <p:spTgt spid="3">
+                                            <p:txEl>
+                                              <p:pRg st="5" end="5"/>
                                             </p:txEl>
                                           </p:spTgt>
                                         </p:tgtEl>
@@ -9466,7 +12697,7 @@
           <a:p>
             <a:r>
               <a:rPr lang="en-US" dirty="0"/>
-              <a:t>CDF EXAMPLE</a:t>
+              <a:t>CDF DATA ISLAND EXAMPLE</a:t>
             </a:r>
           </a:p>
         </p:txBody>
@@ -10949,28 +14180,28 @@
           <a:p>
             <a:r>
               <a:rPr lang="en-US" dirty="0"/>
-              <a:t>CDF Components</a:t>
+              <a:t>CDF Web Components</a:t>
             </a:r>
           </a:p>
           <a:p>
             <a:pPr lvl="1"/>
             <a:r>
               <a:rPr lang="en-US" dirty="0"/>
-              <a:t>Media Component showing video or image</a:t>
+              <a:t>Media Web Component showing video or image</a:t>
             </a:r>
           </a:p>
           <a:p>
             <a:pPr lvl="1"/>
             <a:r>
               <a:rPr lang="en-US" dirty="0"/>
-              <a:t>Slider Component showing a collection of media components.  If media component is a video, then slides out to play video</a:t>
+              <a:t>Slider Web Component showing a collection of media components.  If media component is a video, then slides out to play video</a:t>
             </a:r>
           </a:p>
           <a:p>
             <a:pPr lvl="1"/>
             <a:r>
               <a:rPr lang="en-US" dirty="0"/>
-              <a:t>Twitter component showing a tweet as styled by Twitter</a:t>
+              <a:t>Twitter Web Component showing a tweet as styled by Twitter</a:t>
             </a:r>
           </a:p>
           <a:p>
@@ -11064,6 +14295,969 @@
   <p:clrMapOvr>
     <a:masterClrMapping/>
   </p:clrMapOvr>
+  <p:transition spd="slow">
+    <p:push dir="u"/>
+  </p:transition>
+  <p:timing>
+    <p:tnLst>
+      <p:par>
+        <p:cTn id="1" dur="indefinite" restart="never" nodeType="tmRoot">
+          <p:childTnLst>
+            <p:seq concurrent="1" nextAc="seek">
+              <p:cTn id="2" dur="indefinite" nodeType="mainSeq">
+                <p:childTnLst>
+                  <p:par>
+                    <p:cTn id="3" fill="hold">
+                      <p:stCondLst>
+                        <p:cond delay="indefinite"/>
+                      </p:stCondLst>
+                      <p:childTnLst>
+                        <p:par>
+                          <p:cTn id="4" fill="hold">
+                            <p:stCondLst>
+                              <p:cond delay="0"/>
+                            </p:stCondLst>
+                            <p:childTnLst>
+                              <p:par>
+                                <p:cTn id="5" presetID="42" presetClass="entr" presetSubtype="0" fill="hold" grpId="0" nodeType="clickEffect">
+                                  <p:stCondLst>
+                                    <p:cond delay="0"/>
+                                  </p:stCondLst>
+                                  <p:childTnLst>
+                                    <p:set>
+                                      <p:cBhvr>
+                                        <p:cTn id="6" dur="1" fill="hold">
+                                          <p:stCondLst>
+                                            <p:cond delay="0"/>
+                                          </p:stCondLst>
+                                        </p:cTn>
+                                        <p:tgtEl>
+                                          <p:spTgt spid="3">
+                                            <p:txEl>
+                                              <p:pRg st="0" end="0"/>
+                                            </p:txEl>
+                                          </p:spTgt>
+                                        </p:tgtEl>
+                                        <p:attrNameLst>
+                                          <p:attrName>style.visibility</p:attrName>
+                                        </p:attrNameLst>
+                                      </p:cBhvr>
+                                      <p:to>
+                                        <p:strVal val="visible"/>
+                                      </p:to>
+                                    </p:set>
+                                    <p:animEffect transition="in" filter="fade">
+                                      <p:cBhvr>
+                                        <p:cTn id="7" dur="1000"/>
+                                        <p:tgtEl>
+                                          <p:spTgt spid="3">
+                                            <p:txEl>
+                                              <p:pRg st="0" end="0"/>
+                                            </p:txEl>
+                                          </p:spTgt>
+                                        </p:tgtEl>
+                                      </p:cBhvr>
+                                    </p:animEffect>
+                                    <p:anim calcmode="lin" valueType="num">
+                                      <p:cBhvr>
+                                        <p:cTn id="8" dur="1000" fill="hold"/>
+                                        <p:tgtEl>
+                                          <p:spTgt spid="3">
+                                            <p:txEl>
+                                              <p:pRg st="0" end="0"/>
+                                            </p:txEl>
+                                          </p:spTgt>
+                                        </p:tgtEl>
+                                        <p:attrNameLst>
+                                          <p:attrName>ppt_x</p:attrName>
+                                        </p:attrNameLst>
+                                      </p:cBhvr>
+                                      <p:tavLst>
+                                        <p:tav tm="0">
+                                          <p:val>
+                                            <p:strVal val="#ppt_x"/>
+                                          </p:val>
+                                        </p:tav>
+                                        <p:tav tm="100000">
+                                          <p:val>
+                                            <p:strVal val="#ppt_x"/>
+                                          </p:val>
+                                        </p:tav>
+                                      </p:tavLst>
+                                    </p:anim>
+                                    <p:anim calcmode="lin" valueType="num">
+                                      <p:cBhvr>
+                                        <p:cTn id="9" dur="1000" fill="hold"/>
+                                        <p:tgtEl>
+                                          <p:spTgt spid="3">
+                                            <p:txEl>
+                                              <p:pRg st="0" end="0"/>
+                                            </p:txEl>
+                                          </p:spTgt>
+                                        </p:tgtEl>
+                                        <p:attrNameLst>
+                                          <p:attrName>ppt_y</p:attrName>
+                                        </p:attrNameLst>
+                                      </p:cBhvr>
+                                      <p:tavLst>
+                                        <p:tav tm="0">
+                                          <p:val>
+                                            <p:strVal val="#ppt_y+.1"/>
+                                          </p:val>
+                                        </p:tav>
+                                        <p:tav tm="100000">
+                                          <p:val>
+                                            <p:strVal val="#ppt_y"/>
+                                          </p:val>
+                                        </p:tav>
+                                      </p:tavLst>
+                                    </p:anim>
+                                  </p:childTnLst>
+                                </p:cTn>
+                              </p:par>
+                              <p:par>
+                                <p:cTn id="10" presetID="42" presetClass="entr" presetSubtype="0" fill="hold" grpId="0" nodeType="withEffect">
+                                  <p:stCondLst>
+                                    <p:cond delay="0"/>
+                                  </p:stCondLst>
+                                  <p:childTnLst>
+                                    <p:set>
+                                      <p:cBhvr>
+                                        <p:cTn id="11" dur="1" fill="hold">
+                                          <p:stCondLst>
+                                            <p:cond delay="0"/>
+                                          </p:stCondLst>
+                                        </p:cTn>
+                                        <p:tgtEl>
+                                          <p:spTgt spid="3">
+                                            <p:txEl>
+                                              <p:pRg st="1" end="1"/>
+                                            </p:txEl>
+                                          </p:spTgt>
+                                        </p:tgtEl>
+                                        <p:attrNameLst>
+                                          <p:attrName>style.visibility</p:attrName>
+                                        </p:attrNameLst>
+                                      </p:cBhvr>
+                                      <p:to>
+                                        <p:strVal val="visible"/>
+                                      </p:to>
+                                    </p:set>
+                                    <p:animEffect transition="in" filter="fade">
+                                      <p:cBhvr>
+                                        <p:cTn id="12" dur="1000"/>
+                                        <p:tgtEl>
+                                          <p:spTgt spid="3">
+                                            <p:txEl>
+                                              <p:pRg st="1" end="1"/>
+                                            </p:txEl>
+                                          </p:spTgt>
+                                        </p:tgtEl>
+                                      </p:cBhvr>
+                                    </p:animEffect>
+                                    <p:anim calcmode="lin" valueType="num">
+                                      <p:cBhvr>
+                                        <p:cTn id="13" dur="1000" fill="hold"/>
+                                        <p:tgtEl>
+                                          <p:spTgt spid="3">
+                                            <p:txEl>
+                                              <p:pRg st="1" end="1"/>
+                                            </p:txEl>
+                                          </p:spTgt>
+                                        </p:tgtEl>
+                                        <p:attrNameLst>
+                                          <p:attrName>ppt_x</p:attrName>
+                                        </p:attrNameLst>
+                                      </p:cBhvr>
+                                      <p:tavLst>
+                                        <p:tav tm="0">
+                                          <p:val>
+                                            <p:strVal val="#ppt_x"/>
+                                          </p:val>
+                                        </p:tav>
+                                        <p:tav tm="100000">
+                                          <p:val>
+                                            <p:strVal val="#ppt_x"/>
+                                          </p:val>
+                                        </p:tav>
+                                      </p:tavLst>
+                                    </p:anim>
+                                    <p:anim calcmode="lin" valueType="num">
+                                      <p:cBhvr>
+                                        <p:cTn id="14" dur="1000" fill="hold"/>
+                                        <p:tgtEl>
+                                          <p:spTgt spid="3">
+                                            <p:txEl>
+                                              <p:pRg st="1" end="1"/>
+                                            </p:txEl>
+                                          </p:spTgt>
+                                        </p:tgtEl>
+                                        <p:attrNameLst>
+                                          <p:attrName>ppt_y</p:attrName>
+                                        </p:attrNameLst>
+                                      </p:cBhvr>
+                                      <p:tavLst>
+                                        <p:tav tm="0">
+                                          <p:val>
+                                            <p:strVal val="#ppt_y+.1"/>
+                                          </p:val>
+                                        </p:tav>
+                                        <p:tav tm="100000">
+                                          <p:val>
+                                            <p:strVal val="#ppt_y"/>
+                                          </p:val>
+                                        </p:tav>
+                                      </p:tavLst>
+                                    </p:anim>
+                                  </p:childTnLst>
+                                </p:cTn>
+                              </p:par>
+                              <p:par>
+                                <p:cTn id="15" presetID="42" presetClass="entr" presetSubtype="0" fill="hold" grpId="0" nodeType="withEffect">
+                                  <p:stCondLst>
+                                    <p:cond delay="0"/>
+                                  </p:stCondLst>
+                                  <p:childTnLst>
+                                    <p:set>
+                                      <p:cBhvr>
+                                        <p:cTn id="16" dur="1" fill="hold">
+                                          <p:stCondLst>
+                                            <p:cond delay="0"/>
+                                          </p:stCondLst>
+                                        </p:cTn>
+                                        <p:tgtEl>
+                                          <p:spTgt spid="3">
+                                            <p:txEl>
+                                              <p:pRg st="2" end="2"/>
+                                            </p:txEl>
+                                          </p:spTgt>
+                                        </p:tgtEl>
+                                        <p:attrNameLst>
+                                          <p:attrName>style.visibility</p:attrName>
+                                        </p:attrNameLst>
+                                      </p:cBhvr>
+                                      <p:to>
+                                        <p:strVal val="visible"/>
+                                      </p:to>
+                                    </p:set>
+                                    <p:animEffect transition="in" filter="fade">
+                                      <p:cBhvr>
+                                        <p:cTn id="17" dur="1000"/>
+                                        <p:tgtEl>
+                                          <p:spTgt spid="3">
+                                            <p:txEl>
+                                              <p:pRg st="2" end="2"/>
+                                            </p:txEl>
+                                          </p:spTgt>
+                                        </p:tgtEl>
+                                      </p:cBhvr>
+                                    </p:animEffect>
+                                    <p:anim calcmode="lin" valueType="num">
+                                      <p:cBhvr>
+                                        <p:cTn id="18" dur="1000" fill="hold"/>
+                                        <p:tgtEl>
+                                          <p:spTgt spid="3">
+                                            <p:txEl>
+                                              <p:pRg st="2" end="2"/>
+                                            </p:txEl>
+                                          </p:spTgt>
+                                        </p:tgtEl>
+                                        <p:attrNameLst>
+                                          <p:attrName>ppt_x</p:attrName>
+                                        </p:attrNameLst>
+                                      </p:cBhvr>
+                                      <p:tavLst>
+                                        <p:tav tm="0">
+                                          <p:val>
+                                            <p:strVal val="#ppt_x"/>
+                                          </p:val>
+                                        </p:tav>
+                                        <p:tav tm="100000">
+                                          <p:val>
+                                            <p:strVal val="#ppt_x"/>
+                                          </p:val>
+                                        </p:tav>
+                                      </p:tavLst>
+                                    </p:anim>
+                                    <p:anim calcmode="lin" valueType="num">
+                                      <p:cBhvr>
+                                        <p:cTn id="19" dur="1000" fill="hold"/>
+                                        <p:tgtEl>
+                                          <p:spTgt spid="3">
+                                            <p:txEl>
+                                              <p:pRg st="2" end="2"/>
+                                            </p:txEl>
+                                          </p:spTgt>
+                                        </p:tgtEl>
+                                        <p:attrNameLst>
+                                          <p:attrName>ppt_y</p:attrName>
+                                        </p:attrNameLst>
+                                      </p:cBhvr>
+                                      <p:tavLst>
+                                        <p:tav tm="0">
+                                          <p:val>
+                                            <p:strVal val="#ppt_y+.1"/>
+                                          </p:val>
+                                        </p:tav>
+                                        <p:tav tm="100000">
+                                          <p:val>
+                                            <p:strVal val="#ppt_y"/>
+                                          </p:val>
+                                        </p:tav>
+                                      </p:tavLst>
+                                    </p:anim>
+                                  </p:childTnLst>
+                                </p:cTn>
+                              </p:par>
+                              <p:par>
+                                <p:cTn id="20" presetID="42" presetClass="entr" presetSubtype="0" fill="hold" grpId="0" nodeType="withEffect">
+                                  <p:stCondLst>
+                                    <p:cond delay="0"/>
+                                  </p:stCondLst>
+                                  <p:childTnLst>
+                                    <p:set>
+                                      <p:cBhvr>
+                                        <p:cTn id="21" dur="1" fill="hold">
+                                          <p:stCondLst>
+                                            <p:cond delay="0"/>
+                                          </p:stCondLst>
+                                        </p:cTn>
+                                        <p:tgtEl>
+                                          <p:spTgt spid="3">
+                                            <p:txEl>
+                                              <p:pRg st="3" end="3"/>
+                                            </p:txEl>
+                                          </p:spTgt>
+                                        </p:tgtEl>
+                                        <p:attrNameLst>
+                                          <p:attrName>style.visibility</p:attrName>
+                                        </p:attrNameLst>
+                                      </p:cBhvr>
+                                      <p:to>
+                                        <p:strVal val="visible"/>
+                                      </p:to>
+                                    </p:set>
+                                    <p:animEffect transition="in" filter="fade">
+                                      <p:cBhvr>
+                                        <p:cTn id="22" dur="1000"/>
+                                        <p:tgtEl>
+                                          <p:spTgt spid="3">
+                                            <p:txEl>
+                                              <p:pRg st="3" end="3"/>
+                                            </p:txEl>
+                                          </p:spTgt>
+                                        </p:tgtEl>
+                                      </p:cBhvr>
+                                    </p:animEffect>
+                                    <p:anim calcmode="lin" valueType="num">
+                                      <p:cBhvr>
+                                        <p:cTn id="23" dur="1000" fill="hold"/>
+                                        <p:tgtEl>
+                                          <p:spTgt spid="3">
+                                            <p:txEl>
+                                              <p:pRg st="3" end="3"/>
+                                            </p:txEl>
+                                          </p:spTgt>
+                                        </p:tgtEl>
+                                        <p:attrNameLst>
+                                          <p:attrName>ppt_x</p:attrName>
+                                        </p:attrNameLst>
+                                      </p:cBhvr>
+                                      <p:tavLst>
+                                        <p:tav tm="0">
+                                          <p:val>
+                                            <p:strVal val="#ppt_x"/>
+                                          </p:val>
+                                        </p:tav>
+                                        <p:tav tm="100000">
+                                          <p:val>
+                                            <p:strVal val="#ppt_x"/>
+                                          </p:val>
+                                        </p:tav>
+                                      </p:tavLst>
+                                    </p:anim>
+                                    <p:anim calcmode="lin" valueType="num">
+                                      <p:cBhvr>
+                                        <p:cTn id="24" dur="1000" fill="hold"/>
+                                        <p:tgtEl>
+                                          <p:spTgt spid="3">
+                                            <p:txEl>
+                                              <p:pRg st="3" end="3"/>
+                                            </p:txEl>
+                                          </p:spTgt>
+                                        </p:tgtEl>
+                                        <p:attrNameLst>
+                                          <p:attrName>ppt_y</p:attrName>
+                                        </p:attrNameLst>
+                                      </p:cBhvr>
+                                      <p:tavLst>
+                                        <p:tav tm="0">
+                                          <p:val>
+                                            <p:strVal val="#ppt_y+.1"/>
+                                          </p:val>
+                                        </p:tav>
+                                        <p:tav tm="100000">
+                                          <p:val>
+                                            <p:strVal val="#ppt_y"/>
+                                          </p:val>
+                                        </p:tav>
+                                      </p:tavLst>
+                                    </p:anim>
+                                  </p:childTnLst>
+                                </p:cTn>
+                              </p:par>
+                            </p:childTnLst>
+                          </p:cTn>
+                        </p:par>
+                      </p:childTnLst>
+                    </p:cTn>
+                  </p:par>
+                  <p:par>
+                    <p:cTn id="25" fill="hold">
+                      <p:stCondLst>
+                        <p:cond delay="indefinite"/>
+                      </p:stCondLst>
+                      <p:childTnLst>
+                        <p:par>
+                          <p:cTn id="26" fill="hold">
+                            <p:stCondLst>
+                              <p:cond delay="0"/>
+                            </p:stCondLst>
+                            <p:childTnLst>
+                              <p:par>
+                                <p:cTn id="27" presetID="42" presetClass="entr" presetSubtype="0" fill="hold" grpId="0" nodeType="clickEffect">
+                                  <p:stCondLst>
+                                    <p:cond delay="0"/>
+                                  </p:stCondLst>
+                                  <p:childTnLst>
+                                    <p:set>
+                                      <p:cBhvr>
+                                        <p:cTn id="28" dur="1" fill="hold">
+                                          <p:stCondLst>
+                                            <p:cond delay="0"/>
+                                          </p:stCondLst>
+                                        </p:cTn>
+                                        <p:tgtEl>
+                                          <p:spTgt spid="3">
+                                            <p:txEl>
+                                              <p:pRg st="4" end="4"/>
+                                            </p:txEl>
+                                          </p:spTgt>
+                                        </p:tgtEl>
+                                        <p:attrNameLst>
+                                          <p:attrName>style.visibility</p:attrName>
+                                        </p:attrNameLst>
+                                      </p:cBhvr>
+                                      <p:to>
+                                        <p:strVal val="visible"/>
+                                      </p:to>
+                                    </p:set>
+                                    <p:animEffect transition="in" filter="fade">
+                                      <p:cBhvr>
+                                        <p:cTn id="29" dur="1000"/>
+                                        <p:tgtEl>
+                                          <p:spTgt spid="3">
+                                            <p:txEl>
+                                              <p:pRg st="4" end="4"/>
+                                            </p:txEl>
+                                          </p:spTgt>
+                                        </p:tgtEl>
+                                      </p:cBhvr>
+                                    </p:animEffect>
+                                    <p:anim calcmode="lin" valueType="num">
+                                      <p:cBhvr>
+                                        <p:cTn id="30" dur="1000" fill="hold"/>
+                                        <p:tgtEl>
+                                          <p:spTgt spid="3">
+                                            <p:txEl>
+                                              <p:pRg st="4" end="4"/>
+                                            </p:txEl>
+                                          </p:spTgt>
+                                        </p:tgtEl>
+                                        <p:attrNameLst>
+                                          <p:attrName>ppt_x</p:attrName>
+                                        </p:attrNameLst>
+                                      </p:cBhvr>
+                                      <p:tavLst>
+                                        <p:tav tm="0">
+                                          <p:val>
+                                            <p:strVal val="#ppt_x"/>
+                                          </p:val>
+                                        </p:tav>
+                                        <p:tav tm="100000">
+                                          <p:val>
+                                            <p:strVal val="#ppt_x"/>
+                                          </p:val>
+                                        </p:tav>
+                                      </p:tavLst>
+                                    </p:anim>
+                                    <p:anim calcmode="lin" valueType="num">
+                                      <p:cBhvr>
+                                        <p:cTn id="31" dur="1000" fill="hold"/>
+                                        <p:tgtEl>
+                                          <p:spTgt spid="3">
+                                            <p:txEl>
+                                              <p:pRg st="4" end="4"/>
+                                            </p:txEl>
+                                          </p:spTgt>
+                                        </p:tgtEl>
+                                        <p:attrNameLst>
+                                          <p:attrName>ppt_y</p:attrName>
+                                        </p:attrNameLst>
+                                      </p:cBhvr>
+                                      <p:tavLst>
+                                        <p:tav tm="0">
+                                          <p:val>
+                                            <p:strVal val="#ppt_y+.1"/>
+                                          </p:val>
+                                        </p:tav>
+                                        <p:tav tm="100000">
+                                          <p:val>
+                                            <p:strVal val="#ppt_y"/>
+                                          </p:val>
+                                        </p:tav>
+                                      </p:tavLst>
+                                    </p:anim>
+                                  </p:childTnLst>
+                                </p:cTn>
+                              </p:par>
+                              <p:par>
+                                <p:cTn id="32" presetID="42" presetClass="entr" presetSubtype="0" fill="hold" grpId="0" nodeType="withEffect">
+                                  <p:stCondLst>
+                                    <p:cond delay="0"/>
+                                  </p:stCondLst>
+                                  <p:childTnLst>
+                                    <p:set>
+                                      <p:cBhvr>
+                                        <p:cTn id="33" dur="1" fill="hold">
+                                          <p:stCondLst>
+                                            <p:cond delay="0"/>
+                                          </p:stCondLst>
+                                        </p:cTn>
+                                        <p:tgtEl>
+                                          <p:spTgt spid="3">
+                                            <p:txEl>
+                                              <p:pRg st="5" end="5"/>
+                                            </p:txEl>
+                                          </p:spTgt>
+                                        </p:tgtEl>
+                                        <p:attrNameLst>
+                                          <p:attrName>style.visibility</p:attrName>
+                                        </p:attrNameLst>
+                                      </p:cBhvr>
+                                      <p:to>
+                                        <p:strVal val="visible"/>
+                                      </p:to>
+                                    </p:set>
+                                    <p:animEffect transition="in" filter="fade">
+                                      <p:cBhvr>
+                                        <p:cTn id="34" dur="1000"/>
+                                        <p:tgtEl>
+                                          <p:spTgt spid="3">
+                                            <p:txEl>
+                                              <p:pRg st="5" end="5"/>
+                                            </p:txEl>
+                                          </p:spTgt>
+                                        </p:tgtEl>
+                                      </p:cBhvr>
+                                    </p:animEffect>
+                                    <p:anim calcmode="lin" valueType="num">
+                                      <p:cBhvr>
+                                        <p:cTn id="35" dur="1000" fill="hold"/>
+                                        <p:tgtEl>
+                                          <p:spTgt spid="3">
+                                            <p:txEl>
+                                              <p:pRg st="5" end="5"/>
+                                            </p:txEl>
+                                          </p:spTgt>
+                                        </p:tgtEl>
+                                        <p:attrNameLst>
+                                          <p:attrName>ppt_x</p:attrName>
+                                        </p:attrNameLst>
+                                      </p:cBhvr>
+                                      <p:tavLst>
+                                        <p:tav tm="0">
+                                          <p:val>
+                                            <p:strVal val="#ppt_x"/>
+                                          </p:val>
+                                        </p:tav>
+                                        <p:tav tm="100000">
+                                          <p:val>
+                                            <p:strVal val="#ppt_x"/>
+                                          </p:val>
+                                        </p:tav>
+                                      </p:tavLst>
+                                    </p:anim>
+                                    <p:anim calcmode="lin" valueType="num">
+                                      <p:cBhvr>
+                                        <p:cTn id="36" dur="1000" fill="hold"/>
+                                        <p:tgtEl>
+                                          <p:spTgt spid="3">
+                                            <p:txEl>
+                                              <p:pRg st="5" end="5"/>
+                                            </p:txEl>
+                                          </p:spTgt>
+                                        </p:tgtEl>
+                                        <p:attrNameLst>
+                                          <p:attrName>ppt_y</p:attrName>
+                                        </p:attrNameLst>
+                                      </p:cBhvr>
+                                      <p:tavLst>
+                                        <p:tav tm="0">
+                                          <p:val>
+                                            <p:strVal val="#ppt_y+.1"/>
+                                          </p:val>
+                                        </p:tav>
+                                        <p:tav tm="100000">
+                                          <p:val>
+                                            <p:strVal val="#ppt_y"/>
+                                          </p:val>
+                                        </p:tav>
+                                      </p:tavLst>
+                                    </p:anim>
+                                  </p:childTnLst>
+                                </p:cTn>
+                              </p:par>
+                              <p:par>
+                                <p:cTn id="37" presetID="42" presetClass="entr" presetSubtype="0" fill="hold" grpId="0" nodeType="withEffect">
+                                  <p:stCondLst>
+                                    <p:cond delay="0"/>
+                                  </p:stCondLst>
+                                  <p:childTnLst>
+                                    <p:set>
+                                      <p:cBhvr>
+                                        <p:cTn id="38" dur="1" fill="hold">
+                                          <p:stCondLst>
+                                            <p:cond delay="0"/>
+                                          </p:stCondLst>
+                                        </p:cTn>
+                                        <p:tgtEl>
+                                          <p:spTgt spid="3">
+                                            <p:txEl>
+                                              <p:pRg st="6" end="6"/>
+                                            </p:txEl>
+                                          </p:spTgt>
+                                        </p:tgtEl>
+                                        <p:attrNameLst>
+                                          <p:attrName>style.visibility</p:attrName>
+                                        </p:attrNameLst>
+                                      </p:cBhvr>
+                                      <p:to>
+                                        <p:strVal val="visible"/>
+                                      </p:to>
+                                    </p:set>
+                                    <p:animEffect transition="in" filter="fade">
+                                      <p:cBhvr>
+                                        <p:cTn id="39" dur="1000"/>
+                                        <p:tgtEl>
+                                          <p:spTgt spid="3">
+                                            <p:txEl>
+                                              <p:pRg st="6" end="6"/>
+                                            </p:txEl>
+                                          </p:spTgt>
+                                        </p:tgtEl>
+                                      </p:cBhvr>
+                                    </p:animEffect>
+                                    <p:anim calcmode="lin" valueType="num">
+                                      <p:cBhvr>
+                                        <p:cTn id="40" dur="1000" fill="hold"/>
+                                        <p:tgtEl>
+                                          <p:spTgt spid="3">
+                                            <p:txEl>
+                                              <p:pRg st="6" end="6"/>
+                                            </p:txEl>
+                                          </p:spTgt>
+                                        </p:tgtEl>
+                                        <p:attrNameLst>
+                                          <p:attrName>ppt_x</p:attrName>
+                                        </p:attrNameLst>
+                                      </p:cBhvr>
+                                      <p:tavLst>
+                                        <p:tav tm="0">
+                                          <p:val>
+                                            <p:strVal val="#ppt_x"/>
+                                          </p:val>
+                                        </p:tav>
+                                        <p:tav tm="100000">
+                                          <p:val>
+                                            <p:strVal val="#ppt_x"/>
+                                          </p:val>
+                                        </p:tav>
+                                      </p:tavLst>
+                                    </p:anim>
+                                    <p:anim calcmode="lin" valueType="num">
+                                      <p:cBhvr>
+                                        <p:cTn id="41" dur="1000" fill="hold"/>
+                                        <p:tgtEl>
+                                          <p:spTgt spid="3">
+                                            <p:txEl>
+                                              <p:pRg st="6" end="6"/>
+                                            </p:txEl>
+                                          </p:spTgt>
+                                        </p:tgtEl>
+                                        <p:attrNameLst>
+                                          <p:attrName>ppt_y</p:attrName>
+                                        </p:attrNameLst>
+                                      </p:cBhvr>
+                                      <p:tavLst>
+                                        <p:tav tm="0">
+                                          <p:val>
+                                            <p:strVal val="#ppt_y+.1"/>
+                                          </p:val>
+                                        </p:tav>
+                                        <p:tav tm="100000">
+                                          <p:val>
+                                            <p:strVal val="#ppt_y"/>
+                                          </p:val>
+                                        </p:tav>
+                                      </p:tavLst>
+                                    </p:anim>
+                                  </p:childTnLst>
+                                </p:cTn>
+                              </p:par>
+                              <p:par>
+                                <p:cTn id="42" presetID="42" presetClass="entr" presetSubtype="0" fill="hold" grpId="0" nodeType="withEffect">
+                                  <p:stCondLst>
+                                    <p:cond delay="0"/>
+                                  </p:stCondLst>
+                                  <p:childTnLst>
+                                    <p:set>
+                                      <p:cBhvr>
+                                        <p:cTn id="43" dur="1" fill="hold">
+                                          <p:stCondLst>
+                                            <p:cond delay="0"/>
+                                          </p:stCondLst>
+                                        </p:cTn>
+                                        <p:tgtEl>
+                                          <p:spTgt spid="3">
+                                            <p:txEl>
+                                              <p:pRg st="7" end="7"/>
+                                            </p:txEl>
+                                          </p:spTgt>
+                                        </p:tgtEl>
+                                        <p:attrNameLst>
+                                          <p:attrName>style.visibility</p:attrName>
+                                        </p:attrNameLst>
+                                      </p:cBhvr>
+                                      <p:to>
+                                        <p:strVal val="visible"/>
+                                      </p:to>
+                                    </p:set>
+                                    <p:animEffect transition="in" filter="fade">
+                                      <p:cBhvr>
+                                        <p:cTn id="44" dur="1000"/>
+                                        <p:tgtEl>
+                                          <p:spTgt spid="3">
+                                            <p:txEl>
+                                              <p:pRg st="7" end="7"/>
+                                            </p:txEl>
+                                          </p:spTgt>
+                                        </p:tgtEl>
+                                      </p:cBhvr>
+                                    </p:animEffect>
+                                    <p:anim calcmode="lin" valueType="num">
+                                      <p:cBhvr>
+                                        <p:cTn id="45" dur="1000" fill="hold"/>
+                                        <p:tgtEl>
+                                          <p:spTgt spid="3">
+                                            <p:txEl>
+                                              <p:pRg st="7" end="7"/>
+                                            </p:txEl>
+                                          </p:spTgt>
+                                        </p:tgtEl>
+                                        <p:attrNameLst>
+                                          <p:attrName>ppt_x</p:attrName>
+                                        </p:attrNameLst>
+                                      </p:cBhvr>
+                                      <p:tavLst>
+                                        <p:tav tm="0">
+                                          <p:val>
+                                            <p:strVal val="#ppt_x"/>
+                                          </p:val>
+                                        </p:tav>
+                                        <p:tav tm="100000">
+                                          <p:val>
+                                            <p:strVal val="#ppt_x"/>
+                                          </p:val>
+                                        </p:tav>
+                                      </p:tavLst>
+                                    </p:anim>
+                                    <p:anim calcmode="lin" valueType="num">
+                                      <p:cBhvr>
+                                        <p:cTn id="46" dur="1000" fill="hold"/>
+                                        <p:tgtEl>
+                                          <p:spTgt spid="3">
+                                            <p:txEl>
+                                              <p:pRg st="7" end="7"/>
+                                            </p:txEl>
+                                          </p:spTgt>
+                                        </p:tgtEl>
+                                        <p:attrNameLst>
+                                          <p:attrName>ppt_y</p:attrName>
+                                        </p:attrNameLst>
+                                      </p:cBhvr>
+                                      <p:tavLst>
+                                        <p:tav tm="0">
+                                          <p:val>
+                                            <p:strVal val="#ppt_y+.1"/>
+                                          </p:val>
+                                        </p:tav>
+                                        <p:tav tm="100000">
+                                          <p:val>
+                                            <p:strVal val="#ppt_y"/>
+                                          </p:val>
+                                        </p:tav>
+                                      </p:tavLst>
+                                    </p:anim>
+                                  </p:childTnLst>
+                                </p:cTn>
+                              </p:par>
+                            </p:childTnLst>
+                          </p:cTn>
+                        </p:par>
+                      </p:childTnLst>
+                    </p:cTn>
+                  </p:par>
+                  <p:par>
+                    <p:cTn id="47" fill="hold">
+                      <p:stCondLst>
+                        <p:cond delay="indefinite"/>
+                      </p:stCondLst>
+                      <p:childTnLst>
+                        <p:par>
+                          <p:cTn id="48" fill="hold">
+                            <p:stCondLst>
+                              <p:cond delay="0"/>
+                            </p:stCondLst>
+                            <p:childTnLst>
+                              <p:par>
+                                <p:cTn id="49" presetID="42" presetClass="entr" presetSubtype="0" fill="hold" grpId="0" nodeType="clickEffect">
+                                  <p:stCondLst>
+                                    <p:cond delay="0"/>
+                                  </p:stCondLst>
+                                  <p:childTnLst>
+                                    <p:set>
+                                      <p:cBhvr>
+                                        <p:cTn id="50" dur="1" fill="hold">
+                                          <p:stCondLst>
+                                            <p:cond delay="0"/>
+                                          </p:stCondLst>
+                                        </p:cTn>
+                                        <p:tgtEl>
+                                          <p:spTgt spid="3">
+                                            <p:txEl>
+                                              <p:pRg st="8" end="8"/>
+                                            </p:txEl>
+                                          </p:spTgt>
+                                        </p:tgtEl>
+                                        <p:attrNameLst>
+                                          <p:attrName>style.visibility</p:attrName>
+                                        </p:attrNameLst>
+                                      </p:cBhvr>
+                                      <p:to>
+                                        <p:strVal val="visible"/>
+                                      </p:to>
+                                    </p:set>
+                                    <p:animEffect transition="in" filter="fade">
+                                      <p:cBhvr>
+                                        <p:cTn id="51" dur="1000"/>
+                                        <p:tgtEl>
+                                          <p:spTgt spid="3">
+                                            <p:txEl>
+                                              <p:pRg st="8" end="8"/>
+                                            </p:txEl>
+                                          </p:spTgt>
+                                        </p:tgtEl>
+                                      </p:cBhvr>
+                                    </p:animEffect>
+                                    <p:anim calcmode="lin" valueType="num">
+                                      <p:cBhvr>
+                                        <p:cTn id="52" dur="1000" fill="hold"/>
+                                        <p:tgtEl>
+                                          <p:spTgt spid="3">
+                                            <p:txEl>
+                                              <p:pRg st="8" end="8"/>
+                                            </p:txEl>
+                                          </p:spTgt>
+                                        </p:tgtEl>
+                                        <p:attrNameLst>
+                                          <p:attrName>ppt_x</p:attrName>
+                                        </p:attrNameLst>
+                                      </p:cBhvr>
+                                      <p:tavLst>
+                                        <p:tav tm="0">
+                                          <p:val>
+                                            <p:strVal val="#ppt_x"/>
+                                          </p:val>
+                                        </p:tav>
+                                        <p:tav tm="100000">
+                                          <p:val>
+                                            <p:strVal val="#ppt_x"/>
+                                          </p:val>
+                                        </p:tav>
+                                      </p:tavLst>
+                                    </p:anim>
+                                    <p:anim calcmode="lin" valueType="num">
+                                      <p:cBhvr>
+                                        <p:cTn id="53" dur="1000" fill="hold"/>
+                                        <p:tgtEl>
+                                          <p:spTgt spid="3">
+                                            <p:txEl>
+                                              <p:pRg st="8" end="8"/>
+                                            </p:txEl>
+                                          </p:spTgt>
+                                        </p:tgtEl>
+                                        <p:attrNameLst>
+                                          <p:attrName>ppt_y</p:attrName>
+                                        </p:attrNameLst>
+                                      </p:cBhvr>
+                                      <p:tavLst>
+                                        <p:tav tm="0">
+                                          <p:val>
+                                            <p:strVal val="#ppt_y+.1"/>
+                                          </p:val>
+                                        </p:tav>
+                                        <p:tav tm="100000">
+                                          <p:val>
+                                            <p:strVal val="#ppt_y"/>
+                                          </p:val>
+                                        </p:tav>
+                                      </p:tavLst>
+                                    </p:anim>
+                                  </p:childTnLst>
+                                </p:cTn>
+                              </p:par>
+                            </p:childTnLst>
+                          </p:cTn>
+                        </p:par>
+                      </p:childTnLst>
+                    </p:cTn>
+                  </p:par>
+                </p:childTnLst>
+              </p:cTn>
+              <p:prevCondLst>
+                <p:cond evt="onPrev" delay="0">
+                  <p:tgtEl>
+                    <p:sldTgt/>
+                  </p:tgtEl>
+                </p:cond>
+              </p:prevCondLst>
+              <p:nextCondLst>
+                <p:cond evt="onNext" delay="0">
+                  <p:tgtEl>
+                    <p:sldTgt/>
+                  </p:tgtEl>
+                </p:cond>
+              </p:nextCondLst>
+            </p:seq>
+          </p:childTnLst>
+        </p:cTn>
+      </p:par>
+    </p:tnLst>
+    <p:bldLst>
+      <p:bldP spid="3" grpId="0" build="p"/>
+    </p:bldLst>
+  </p:timing>
 </p:sld>
 </file>
 
@@ -11101,7 +15295,7 @@
           <a:p>
             <a:r>
               <a:rPr lang="en-US" dirty="0"/>
-              <a:t>CDF Example</a:t>
+              <a:t>CDF MODELS</a:t>
             </a:r>
           </a:p>
         </p:txBody>
@@ -11121,7 +15315,48 @@
           <a:bodyPr/>
           <a:lstStyle/>
           <a:p>
-            <a:endParaRPr lang="en-US"/>
+            <a:r>
+              <a:rPr lang="en-US" dirty="0"/>
+              <a:t>CDF is shipped with models describing content</a:t>
+            </a:r>
+          </a:p>
+          <a:p>
+            <a:r>
+              <a:rPr lang="en-US" dirty="0"/>
+              <a:t>CDF web components are built to consume these models</a:t>
+            </a:r>
+          </a:p>
+          <a:p>
+            <a:r>
+              <a:rPr lang="en-US" dirty="0"/>
+              <a:t>Developer can use CDF web components by mapping incoming JSON data from REST calls to CDF models</a:t>
+            </a:r>
+          </a:p>
+          <a:p>
+            <a:r>
+              <a:rPr lang="en-US" dirty="0"/>
+              <a:t>CDF Models:</a:t>
+            </a:r>
+          </a:p>
+          <a:p>
+            <a:pPr lvl="1"/>
+            <a:r>
+              <a:rPr lang="en-US" dirty="0"/>
+              <a:t>Root Model</a:t>
+            </a:r>
+          </a:p>
+          <a:p>
+            <a:pPr lvl="1"/>
+            <a:r>
+              <a:rPr lang="en-US" dirty="0"/>
+              <a:t>Media Model</a:t>
+            </a:r>
+          </a:p>
+          <a:p>
+            <a:pPr marL="0" indent="0">
+              <a:buNone/>
+            </a:pPr>
+            <a:endParaRPr lang="en-US" dirty="0"/>
           </a:p>
         </p:txBody>
       </p:sp>
@@ -11197,13 +15432,703 @@
     </p:spTree>
     <p:extLst>
       <p:ext uri="{BB962C8B-B14F-4D97-AF65-F5344CB8AC3E}">
-        <p14:creationId xmlns:p14="http://schemas.microsoft.com/office/powerpoint/2010/main" val="2456078309"/>
+        <p14:creationId xmlns:p14="http://schemas.microsoft.com/office/powerpoint/2010/main" val="4040290350"/>
       </p:ext>
     </p:extLst>
   </p:cSld>
   <p:clrMapOvr>
     <a:masterClrMapping/>
   </p:clrMapOvr>
+  <p:transition spd="slow">
+    <p:push dir="u"/>
+  </p:transition>
+  <p:timing>
+    <p:tnLst>
+      <p:par>
+        <p:cTn id="1" dur="indefinite" restart="never" nodeType="tmRoot">
+          <p:childTnLst>
+            <p:seq concurrent="1" nextAc="seek">
+              <p:cTn id="2" dur="indefinite" nodeType="mainSeq">
+                <p:childTnLst>
+                  <p:par>
+                    <p:cTn id="3" fill="hold">
+                      <p:stCondLst>
+                        <p:cond delay="indefinite"/>
+                      </p:stCondLst>
+                      <p:childTnLst>
+                        <p:par>
+                          <p:cTn id="4" fill="hold">
+                            <p:stCondLst>
+                              <p:cond delay="0"/>
+                            </p:stCondLst>
+                            <p:childTnLst>
+                              <p:par>
+                                <p:cTn id="5" presetID="42" presetClass="entr" presetSubtype="0" fill="hold" grpId="0" nodeType="clickEffect">
+                                  <p:stCondLst>
+                                    <p:cond delay="0"/>
+                                  </p:stCondLst>
+                                  <p:childTnLst>
+                                    <p:set>
+                                      <p:cBhvr>
+                                        <p:cTn id="6" dur="1" fill="hold">
+                                          <p:stCondLst>
+                                            <p:cond delay="0"/>
+                                          </p:stCondLst>
+                                        </p:cTn>
+                                        <p:tgtEl>
+                                          <p:spTgt spid="3">
+                                            <p:txEl>
+                                              <p:pRg st="0" end="0"/>
+                                            </p:txEl>
+                                          </p:spTgt>
+                                        </p:tgtEl>
+                                        <p:attrNameLst>
+                                          <p:attrName>style.visibility</p:attrName>
+                                        </p:attrNameLst>
+                                      </p:cBhvr>
+                                      <p:to>
+                                        <p:strVal val="visible"/>
+                                      </p:to>
+                                    </p:set>
+                                    <p:animEffect transition="in" filter="fade">
+                                      <p:cBhvr>
+                                        <p:cTn id="7" dur="1000"/>
+                                        <p:tgtEl>
+                                          <p:spTgt spid="3">
+                                            <p:txEl>
+                                              <p:pRg st="0" end="0"/>
+                                            </p:txEl>
+                                          </p:spTgt>
+                                        </p:tgtEl>
+                                      </p:cBhvr>
+                                    </p:animEffect>
+                                    <p:anim calcmode="lin" valueType="num">
+                                      <p:cBhvr>
+                                        <p:cTn id="8" dur="1000" fill="hold"/>
+                                        <p:tgtEl>
+                                          <p:spTgt spid="3">
+                                            <p:txEl>
+                                              <p:pRg st="0" end="0"/>
+                                            </p:txEl>
+                                          </p:spTgt>
+                                        </p:tgtEl>
+                                        <p:attrNameLst>
+                                          <p:attrName>ppt_x</p:attrName>
+                                        </p:attrNameLst>
+                                      </p:cBhvr>
+                                      <p:tavLst>
+                                        <p:tav tm="0">
+                                          <p:val>
+                                            <p:strVal val="#ppt_x"/>
+                                          </p:val>
+                                        </p:tav>
+                                        <p:tav tm="100000">
+                                          <p:val>
+                                            <p:strVal val="#ppt_x"/>
+                                          </p:val>
+                                        </p:tav>
+                                      </p:tavLst>
+                                    </p:anim>
+                                    <p:anim calcmode="lin" valueType="num">
+                                      <p:cBhvr>
+                                        <p:cTn id="9" dur="1000" fill="hold"/>
+                                        <p:tgtEl>
+                                          <p:spTgt spid="3">
+                                            <p:txEl>
+                                              <p:pRg st="0" end="0"/>
+                                            </p:txEl>
+                                          </p:spTgt>
+                                        </p:tgtEl>
+                                        <p:attrNameLst>
+                                          <p:attrName>ppt_y</p:attrName>
+                                        </p:attrNameLst>
+                                      </p:cBhvr>
+                                      <p:tavLst>
+                                        <p:tav tm="0">
+                                          <p:val>
+                                            <p:strVal val="#ppt_y+.1"/>
+                                          </p:val>
+                                        </p:tav>
+                                        <p:tav tm="100000">
+                                          <p:val>
+                                            <p:strVal val="#ppt_y"/>
+                                          </p:val>
+                                        </p:tav>
+                                      </p:tavLst>
+                                    </p:anim>
+                                  </p:childTnLst>
+                                </p:cTn>
+                              </p:par>
+                            </p:childTnLst>
+                          </p:cTn>
+                        </p:par>
+                      </p:childTnLst>
+                    </p:cTn>
+                  </p:par>
+                  <p:par>
+                    <p:cTn id="10" fill="hold">
+                      <p:stCondLst>
+                        <p:cond delay="indefinite"/>
+                      </p:stCondLst>
+                      <p:childTnLst>
+                        <p:par>
+                          <p:cTn id="11" fill="hold">
+                            <p:stCondLst>
+                              <p:cond delay="0"/>
+                            </p:stCondLst>
+                            <p:childTnLst>
+                              <p:par>
+                                <p:cTn id="12" presetID="42" presetClass="entr" presetSubtype="0" fill="hold" grpId="0" nodeType="clickEffect">
+                                  <p:stCondLst>
+                                    <p:cond delay="0"/>
+                                  </p:stCondLst>
+                                  <p:childTnLst>
+                                    <p:set>
+                                      <p:cBhvr>
+                                        <p:cTn id="13" dur="1" fill="hold">
+                                          <p:stCondLst>
+                                            <p:cond delay="0"/>
+                                          </p:stCondLst>
+                                        </p:cTn>
+                                        <p:tgtEl>
+                                          <p:spTgt spid="3">
+                                            <p:txEl>
+                                              <p:pRg st="1" end="1"/>
+                                            </p:txEl>
+                                          </p:spTgt>
+                                        </p:tgtEl>
+                                        <p:attrNameLst>
+                                          <p:attrName>style.visibility</p:attrName>
+                                        </p:attrNameLst>
+                                      </p:cBhvr>
+                                      <p:to>
+                                        <p:strVal val="visible"/>
+                                      </p:to>
+                                    </p:set>
+                                    <p:animEffect transition="in" filter="fade">
+                                      <p:cBhvr>
+                                        <p:cTn id="14" dur="1000"/>
+                                        <p:tgtEl>
+                                          <p:spTgt spid="3">
+                                            <p:txEl>
+                                              <p:pRg st="1" end="1"/>
+                                            </p:txEl>
+                                          </p:spTgt>
+                                        </p:tgtEl>
+                                      </p:cBhvr>
+                                    </p:animEffect>
+                                    <p:anim calcmode="lin" valueType="num">
+                                      <p:cBhvr>
+                                        <p:cTn id="15" dur="1000" fill="hold"/>
+                                        <p:tgtEl>
+                                          <p:spTgt spid="3">
+                                            <p:txEl>
+                                              <p:pRg st="1" end="1"/>
+                                            </p:txEl>
+                                          </p:spTgt>
+                                        </p:tgtEl>
+                                        <p:attrNameLst>
+                                          <p:attrName>ppt_x</p:attrName>
+                                        </p:attrNameLst>
+                                      </p:cBhvr>
+                                      <p:tavLst>
+                                        <p:tav tm="0">
+                                          <p:val>
+                                            <p:strVal val="#ppt_x"/>
+                                          </p:val>
+                                        </p:tav>
+                                        <p:tav tm="100000">
+                                          <p:val>
+                                            <p:strVal val="#ppt_x"/>
+                                          </p:val>
+                                        </p:tav>
+                                      </p:tavLst>
+                                    </p:anim>
+                                    <p:anim calcmode="lin" valueType="num">
+                                      <p:cBhvr>
+                                        <p:cTn id="16" dur="1000" fill="hold"/>
+                                        <p:tgtEl>
+                                          <p:spTgt spid="3">
+                                            <p:txEl>
+                                              <p:pRg st="1" end="1"/>
+                                            </p:txEl>
+                                          </p:spTgt>
+                                        </p:tgtEl>
+                                        <p:attrNameLst>
+                                          <p:attrName>ppt_y</p:attrName>
+                                        </p:attrNameLst>
+                                      </p:cBhvr>
+                                      <p:tavLst>
+                                        <p:tav tm="0">
+                                          <p:val>
+                                            <p:strVal val="#ppt_y+.1"/>
+                                          </p:val>
+                                        </p:tav>
+                                        <p:tav tm="100000">
+                                          <p:val>
+                                            <p:strVal val="#ppt_y"/>
+                                          </p:val>
+                                        </p:tav>
+                                      </p:tavLst>
+                                    </p:anim>
+                                  </p:childTnLst>
+                                </p:cTn>
+                              </p:par>
+                            </p:childTnLst>
+                          </p:cTn>
+                        </p:par>
+                      </p:childTnLst>
+                    </p:cTn>
+                  </p:par>
+                  <p:par>
+                    <p:cTn id="17" fill="hold">
+                      <p:stCondLst>
+                        <p:cond delay="indefinite"/>
+                      </p:stCondLst>
+                      <p:childTnLst>
+                        <p:par>
+                          <p:cTn id="18" fill="hold">
+                            <p:stCondLst>
+                              <p:cond delay="0"/>
+                            </p:stCondLst>
+                            <p:childTnLst>
+                              <p:par>
+                                <p:cTn id="19" presetID="42" presetClass="entr" presetSubtype="0" fill="hold" grpId="0" nodeType="clickEffect">
+                                  <p:stCondLst>
+                                    <p:cond delay="0"/>
+                                  </p:stCondLst>
+                                  <p:childTnLst>
+                                    <p:set>
+                                      <p:cBhvr>
+                                        <p:cTn id="20" dur="1" fill="hold">
+                                          <p:stCondLst>
+                                            <p:cond delay="0"/>
+                                          </p:stCondLst>
+                                        </p:cTn>
+                                        <p:tgtEl>
+                                          <p:spTgt spid="3">
+                                            <p:txEl>
+                                              <p:pRg st="2" end="2"/>
+                                            </p:txEl>
+                                          </p:spTgt>
+                                        </p:tgtEl>
+                                        <p:attrNameLst>
+                                          <p:attrName>style.visibility</p:attrName>
+                                        </p:attrNameLst>
+                                      </p:cBhvr>
+                                      <p:to>
+                                        <p:strVal val="visible"/>
+                                      </p:to>
+                                    </p:set>
+                                    <p:animEffect transition="in" filter="fade">
+                                      <p:cBhvr>
+                                        <p:cTn id="21" dur="1000"/>
+                                        <p:tgtEl>
+                                          <p:spTgt spid="3">
+                                            <p:txEl>
+                                              <p:pRg st="2" end="2"/>
+                                            </p:txEl>
+                                          </p:spTgt>
+                                        </p:tgtEl>
+                                      </p:cBhvr>
+                                    </p:animEffect>
+                                    <p:anim calcmode="lin" valueType="num">
+                                      <p:cBhvr>
+                                        <p:cTn id="22" dur="1000" fill="hold"/>
+                                        <p:tgtEl>
+                                          <p:spTgt spid="3">
+                                            <p:txEl>
+                                              <p:pRg st="2" end="2"/>
+                                            </p:txEl>
+                                          </p:spTgt>
+                                        </p:tgtEl>
+                                        <p:attrNameLst>
+                                          <p:attrName>ppt_x</p:attrName>
+                                        </p:attrNameLst>
+                                      </p:cBhvr>
+                                      <p:tavLst>
+                                        <p:tav tm="0">
+                                          <p:val>
+                                            <p:strVal val="#ppt_x"/>
+                                          </p:val>
+                                        </p:tav>
+                                        <p:tav tm="100000">
+                                          <p:val>
+                                            <p:strVal val="#ppt_x"/>
+                                          </p:val>
+                                        </p:tav>
+                                      </p:tavLst>
+                                    </p:anim>
+                                    <p:anim calcmode="lin" valueType="num">
+                                      <p:cBhvr>
+                                        <p:cTn id="23" dur="1000" fill="hold"/>
+                                        <p:tgtEl>
+                                          <p:spTgt spid="3">
+                                            <p:txEl>
+                                              <p:pRg st="2" end="2"/>
+                                            </p:txEl>
+                                          </p:spTgt>
+                                        </p:tgtEl>
+                                        <p:attrNameLst>
+                                          <p:attrName>ppt_y</p:attrName>
+                                        </p:attrNameLst>
+                                      </p:cBhvr>
+                                      <p:tavLst>
+                                        <p:tav tm="0">
+                                          <p:val>
+                                            <p:strVal val="#ppt_y+.1"/>
+                                          </p:val>
+                                        </p:tav>
+                                        <p:tav tm="100000">
+                                          <p:val>
+                                            <p:strVal val="#ppt_y"/>
+                                          </p:val>
+                                        </p:tav>
+                                      </p:tavLst>
+                                    </p:anim>
+                                  </p:childTnLst>
+                                </p:cTn>
+                              </p:par>
+                            </p:childTnLst>
+                          </p:cTn>
+                        </p:par>
+                      </p:childTnLst>
+                    </p:cTn>
+                  </p:par>
+                  <p:par>
+                    <p:cTn id="24" fill="hold">
+                      <p:stCondLst>
+                        <p:cond delay="indefinite"/>
+                      </p:stCondLst>
+                      <p:childTnLst>
+                        <p:par>
+                          <p:cTn id="25" fill="hold">
+                            <p:stCondLst>
+                              <p:cond delay="0"/>
+                            </p:stCondLst>
+                            <p:childTnLst>
+                              <p:par>
+                                <p:cTn id="26" presetID="42" presetClass="entr" presetSubtype="0" fill="hold" grpId="0" nodeType="clickEffect">
+                                  <p:stCondLst>
+                                    <p:cond delay="0"/>
+                                  </p:stCondLst>
+                                  <p:childTnLst>
+                                    <p:set>
+                                      <p:cBhvr>
+                                        <p:cTn id="27" dur="1" fill="hold">
+                                          <p:stCondLst>
+                                            <p:cond delay="0"/>
+                                          </p:stCondLst>
+                                        </p:cTn>
+                                        <p:tgtEl>
+                                          <p:spTgt spid="3">
+                                            <p:txEl>
+                                              <p:pRg st="3" end="3"/>
+                                            </p:txEl>
+                                          </p:spTgt>
+                                        </p:tgtEl>
+                                        <p:attrNameLst>
+                                          <p:attrName>style.visibility</p:attrName>
+                                        </p:attrNameLst>
+                                      </p:cBhvr>
+                                      <p:to>
+                                        <p:strVal val="visible"/>
+                                      </p:to>
+                                    </p:set>
+                                    <p:animEffect transition="in" filter="fade">
+                                      <p:cBhvr>
+                                        <p:cTn id="28" dur="1000"/>
+                                        <p:tgtEl>
+                                          <p:spTgt spid="3">
+                                            <p:txEl>
+                                              <p:pRg st="3" end="3"/>
+                                            </p:txEl>
+                                          </p:spTgt>
+                                        </p:tgtEl>
+                                      </p:cBhvr>
+                                    </p:animEffect>
+                                    <p:anim calcmode="lin" valueType="num">
+                                      <p:cBhvr>
+                                        <p:cTn id="29" dur="1000" fill="hold"/>
+                                        <p:tgtEl>
+                                          <p:spTgt spid="3">
+                                            <p:txEl>
+                                              <p:pRg st="3" end="3"/>
+                                            </p:txEl>
+                                          </p:spTgt>
+                                        </p:tgtEl>
+                                        <p:attrNameLst>
+                                          <p:attrName>ppt_x</p:attrName>
+                                        </p:attrNameLst>
+                                      </p:cBhvr>
+                                      <p:tavLst>
+                                        <p:tav tm="0">
+                                          <p:val>
+                                            <p:strVal val="#ppt_x"/>
+                                          </p:val>
+                                        </p:tav>
+                                        <p:tav tm="100000">
+                                          <p:val>
+                                            <p:strVal val="#ppt_x"/>
+                                          </p:val>
+                                        </p:tav>
+                                      </p:tavLst>
+                                    </p:anim>
+                                    <p:anim calcmode="lin" valueType="num">
+                                      <p:cBhvr>
+                                        <p:cTn id="30" dur="1000" fill="hold"/>
+                                        <p:tgtEl>
+                                          <p:spTgt spid="3">
+                                            <p:txEl>
+                                              <p:pRg st="3" end="3"/>
+                                            </p:txEl>
+                                          </p:spTgt>
+                                        </p:tgtEl>
+                                        <p:attrNameLst>
+                                          <p:attrName>ppt_y</p:attrName>
+                                        </p:attrNameLst>
+                                      </p:cBhvr>
+                                      <p:tavLst>
+                                        <p:tav tm="0">
+                                          <p:val>
+                                            <p:strVal val="#ppt_y+.1"/>
+                                          </p:val>
+                                        </p:tav>
+                                        <p:tav tm="100000">
+                                          <p:val>
+                                            <p:strVal val="#ppt_y"/>
+                                          </p:val>
+                                        </p:tav>
+                                      </p:tavLst>
+                                    </p:anim>
+                                  </p:childTnLst>
+                                </p:cTn>
+                              </p:par>
+                              <p:par>
+                                <p:cTn id="31" presetID="42" presetClass="entr" presetSubtype="0" fill="hold" grpId="0" nodeType="withEffect">
+                                  <p:stCondLst>
+                                    <p:cond delay="0"/>
+                                  </p:stCondLst>
+                                  <p:childTnLst>
+                                    <p:set>
+                                      <p:cBhvr>
+                                        <p:cTn id="32" dur="1" fill="hold">
+                                          <p:stCondLst>
+                                            <p:cond delay="0"/>
+                                          </p:stCondLst>
+                                        </p:cTn>
+                                        <p:tgtEl>
+                                          <p:spTgt spid="3">
+                                            <p:txEl>
+                                              <p:pRg st="4" end="4"/>
+                                            </p:txEl>
+                                          </p:spTgt>
+                                        </p:tgtEl>
+                                        <p:attrNameLst>
+                                          <p:attrName>style.visibility</p:attrName>
+                                        </p:attrNameLst>
+                                      </p:cBhvr>
+                                      <p:to>
+                                        <p:strVal val="visible"/>
+                                      </p:to>
+                                    </p:set>
+                                    <p:animEffect transition="in" filter="fade">
+                                      <p:cBhvr>
+                                        <p:cTn id="33" dur="1000"/>
+                                        <p:tgtEl>
+                                          <p:spTgt spid="3">
+                                            <p:txEl>
+                                              <p:pRg st="4" end="4"/>
+                                            </p:txEl>
+                                          </p:spTgt>
+                                        </p:tgtEl>
+                                      </p:cBhvr>
+                                    </p:animEffect>
+                                    <p:anim calcmode="lin" valueType="num">
+                                      <p:cBhvr>
+                                        <p:cTn id="34" dur="1000" fill="hold"/>
+                                        <p:tgtEl>
+                                          <p:spTgt spid="3">
+                                            <p:txEl>
+                                              <p:pRg st="4" end="4"/>
+                                            </p:txEl>
+                                          </p:spTgt>
+                                        </p:tgtEl>
+                                        <p:attrNameLst>
+                                          <p:attrName>ppt_x</p:attrName>
+                                        </p:attrNameLst>
+                                      </p:cBhvr>
+                                      <p:tavLst>
+                                        <p:tav tm="0">
+                                          <p:val>
+                                            <p:strVal val="#ppt_x"/>
+                                          </p:val>
+                                        </p:tav>
+                                        <p:tav tm="100000">
+                                          <p:val>
+                                            <p:strVal val="#ppt_x"/>
+                                          </p:val>
+                                        </p:tav>
+                                      </p:tavLst>
+                                    </p:anim>
+                                    <p:anim calcmode="lin" valueType="num">
+                                      <p:cBhvr>
+                                        <p:cTn id="35" dur="1000" fill="hold"/>
+                                        <p:tgtEl>
+                                          <p:spTgt spid="3">
+                                            <p:txEl>
+                                              <p:pRg st="4" end="4"/>
+                                            </p:txEl>
+                                          </p:spTgt>
+                                        </p:tgtEl>
+                                        <p:attrNameLst>
+                                          <p:attrName>ppt_y</p:attrName>
+                                        </p:attrNameLst>
+                                      </p:cBhvr>
+                                      <p:tavLst>
+                                        <p:tav tm="0">
+                                          <p:val>
+                                            <p:strVal val="#ppt_y+.1"/>
+                                          </p:val>
+                                        </p:tav>
+                                        <p:tav tm="100000">
+                                          <p:val>
+                                            <p:strVal val="#ppt_y"/>
+                                          </p:val>
+                                        </p:tav>
+                                      </p:tavLst>
+                                    </p:anim>
+                                  </p:childTnLst>
+                                </p:cTn>
+                              </p:par>
+                              <p:par>
+                                <p:cTn id="36" presetID="42" presetClass="entr" presetSubtype="0" fill="hold" grpId="0" nodeType="withEffect">
+                                  <p:stCondLst>
+                                    <p:cond delay="0"/>
+                                  </p:stCondLst>
+                                  <p:childTnLst>
+                                    <p:set>
+                                      <p:cBhvr>
+                                        <p:cTn id="37" dur="1" fill="hold">
+                                          <p:stCondLst>
+                                            <p:cond delay="0"/>
+                                          </p:stCondLst>
+                                        </p:cTn>
+                                        <p:tgtEl>
+                                          <p:spTgt spid="3">
+                                            <p:txEl>
+                                              <p:pRg st="5" end="5"/>
+                                            </p:txEl>
+                                          </p:spTgt>
+                                        </p:tgtEl>
+                                        <p:attrNameLst>
+                                          <p:attrName>style.visibility</p:attrName>
+                                        </p:attrNameLst>
+                                      </p:cBhvr>
+                                      <p:to>
+                                        <p:strVal val="visible"/>
+                                      </p:to>
+                                    </p:set>
+                                    <p:animEffect transition="in" filter="fade">
+                                      <p:cBhvr>
+                                        <p:cTn id="38" dur="1000"/>
+                                        <p:tgtEl>
+                                          <p:spTgt spid="3">
+                                            <p:txEl>
+                                              <p:pRg st="5" end="5"/>
+                                            </p:txEl>
+                                          </p:spTgt>
+                                        </p:tgtEl>
+                                      </p:cBhvr>
+                                    </p:animEffect>
+                                    <p:anim calcmode="lin" valueType="num">
+                                      <p:cBhvr>
+                                        <p:cTn id="39" dur="1000" fill="hold"/>
+                                        <p:tgtEl>
+                                          <p:spTgt spid="3">
+                                            <p:txEl>
+                                              <p:pRg st="5" end="5"/>
+                                            </p:txEl>
+                                          </p:spTgt>
+                                        </p:tgtEl>
+                                        <p:attrNameLst>
+                                          <p:attrName>ppt_x</p:attrName>
+                                        </p:attrNameLst>
+                                      </p:cBhvr>
+                                      <p:tavLst>
+                                        <p:tav tm="0">
+                                          <p:val>
+                                            <p:strVal val="#ppt_x"/>
+                                          </p:val>
+                                        </p:tav>
+                                        <p:tav tm="100000">
+                                          <p:val>
+                                            <p:strVal val="#ppt_x"/>
+                                          </p:val>
+                                        </p:tav>
+                                      </p:tavLst>
+                                    </p:anim>
+                                    <p:anim calcmode="lin" valueType="num">
+                                      <p:cBhvr>
+                                        <p:cTn id="40" dur="1000" fill="hold"/>
+                                        <p:tgtEl>
+                                          <p:spTgt spid="3">
+                                            <p:txEl>
+                                              <p:pRg st="5" end="5"/>
+                                            </p:txEl>
+                                          </p:spTgt>
+                                        </p:tgtEl>
+                                        <p:attrNameLst>
+                                          <p:attrName>ppt_y</p:attrName>
+                                        </p:attrNameLst>
+                                      </p:cBhvr>
+                                      <p:tavLst>
+                                        <p:tav tm="0">
+                                          <p:val>
+                                            <p:strVal val="#ppt_y+.1"/>
+                                          </p:val>
+                                        </p:tav>
+                                        <p:tav tm="100000">
+                                          <p:val>
+                                            <p:strVal val="#ppt_y"/>
+                                          </p:val>
+                                        </p:tav>
+                                      </p:tavLst>
+                                    </p:anim>
+                                  </p:childTnLst>
+                                </p:cTn>
+                              </p:par>
+                            </p:childTnLst>
+                          </p:cTn>
+                        </p:par>
+                      </p:childTnLst>
+                    </p:cTn>
+                  </p:par>
+                </p:childTnLst>
+              </p:cTn>
+              <p:prevCondLst>
+                <p:cond evt="onPrev" delay="0">
+                  <p:tgtEl>
+                    <p:sldTgt/>
+                  </p:tgtEl>
+                </p:cond>
+              </p:prevCondLst>
+              <p:nextCondLst>
+                <p:cond evt="onNext" delay="0">
+                  <p:tgtEl>
+                    <p:sldTgt/>
+                  </p:tgtEl>
+                </p:cond>
+              </p:nextCondLst>
+            </p:seq>
+          </p:childTnLst>
+        </p:cTn>
+      </p:par>
+    </p:tnLst>
+    <p:bldLst>
+      <p:bldP spid="3" grpId="0" build="p"/>
+    </p:bldLst>
+  </p:timing>
 </p:sld>
 </file>
 
